--- a/proy_formativo/documentacion/1er_Trim/1_Presentación_Sustentacion.pptx
+++ b/proy_formativo/documentacion/1er_Trim/1_Presentación_Sustentacion.pptx
@@ -5,7 +5,7 @@
     <p:sldMasterId id="2147483648" r:id="rId1"/>
   </p:sldMasterIdLst>
   <p:notesMasterIdLst>
-    <p:notesMasterId r:id="rId19"/>
+    <p:notesMasterId r:id="rId20"/>
   </p:notesMasterIdLst>
   <p:sldIdLst>
     <p:sldId id="256" r:id="rId2"/>
@@ -24,7 +24,8 @@
     <p:sldId id="269" r:id="rId15"/>
     <p:sldId id="270" r:id="rId16"/>
     <p:sldId id="271" r:id="rId17"/>
-    <p:sldId id="272" r:id="rId18"/>
+    <p:sldId id="273" r:id="rId18"/>
+    <p:sldId id="272" r:id="rId19"/>
   </p:sldIdLst>
   <p:sldSz cx="9144000" cy="5143500" type="screen16x9"/>
   <p:notesSz cx="6858000" cy="9144000"/>
@@ -273,7 +274,7 @@
       </p15:sldGuideLst>
     </p:ext>
     <p:ext uri="http://customooxmlschemas.google.com/">
-      <go:slidesCustomData xmlns="" xmlns:mc="http://schemas.openxmlformats.org/markup-compatibility/2006" xmlns:mv="urn:schemas-microsoft-com:mac:vml" xmlns:c="http://schemas.openxmlformats.org/drawingml/2006/chart" xmlns:dgm="http://schemas.openxmlformats.org/drawingml/2006/diagram" xmlns:o="urn:schemas-microsoft-com:office:office" xmlns:v="urn:schemas-microsoft-com:vml" xmlns:pvml="urn:schemas-microsoft-com:office:powerpoint" xmlns:com="http://schemas.openxmlformats.org/drawingml/2006/compatibility" xmlns:p14="http://schemas.microsoft.com/office/powerpoint/2010/main" xmlns:p15="http://schemas.microsoft.com/office/powerpoint/2012/main" xmlns:ahyp="http://schemas.microsoft.com/office/drawing/2018/hyperlinkcolor" xmlns:go="http://customooxmlschemas.google.com/" r:id="rId23" roundtripDataSignature="AMtx7miNLNB0yB+HlUh+J0GH892/7zOKIw=="/>
+      <go:slidesCustomData xmlns:go="http://customooxmlschemas.google.com/" xmlns:ahyp="http://schemas.microsoft.com/office/drawing/2018/hyperlinkcolor" xmlns:p15="http://schemas.microsoft.com/office/powerpoint/2012/main" xmlns:p14="http://schemas.microsoft.com/office/powerpoint/2010/main" xmlns:com="http://schemas.openxmlformats.org/drawingml/2006/compatibility" xmlns:pvml="urn:schemas-microsoft-com:office:powerpoint" xmlns:v="urn:schemas-microsoft-com:vml" xmlns:o="urn:schemas-microsoft-com:office:office" xmlns:dgm="http://schemas.openxmlformats.org/drawingml/2006/diagram" xmlns:c="http://schemas.openxmlformats.org/drawingml/2006/chart" xmlns:mv="urn:schemas-microsoft-com:mac:vml" xmlns:mc="http://schemas.openxmlformats.org/markup-compatibility/2006" xmlns="" r:id="rId23" roundtripDataSignature="AMtx7miNLNB0yB+HlUh+J0GH892/7zOKIw=="/>
     </p:ext>
   </p:extLst>
 </p:presentation>
@@ -1598,6 +1599,115 @@
 </file>
 
 <file path=ppt/notesSlides/notesSlide17.xml><?xml version="1.0" encoding="utf-8"?>
+<p:notes xmlns:a="http://schemas.openxmlformats.org/drawingml/2006/main" xmlns:r="http://schemas.openxmlformats.org/officeDocument/2006/relationships" xmlns:p="http://schemas.openxmlformats.org/presentationml/2006/main" showMasterSp="0" showMasterPhAnim="0">
+  <p:cSld>
+    <p:spTree>
+      <p:nvGrpSpPr>
+        <p:cNvPr id="1" name="Shape 207"/>
+        <p:cNvGrpSpPr/>
+        <p:nvPr/>
+      </p:nvGrpSpPr>
+      <p:grpSpPr>
+        <a:xfrm>
+          <a:off x="0" y="0"/>
+          <a:ext cx="0" cy="0"/>
+          <a:chOff x="0" y="0"/>
+          <a:chExt cx="0" cy="0"/>
+        </a:xfrm>
+      </p:grpSpPr>
+      <p:sp>
+        <p:nvSpPr>
+          <p:cNvPr id="208" name="Google Shape;208;gdae0e5854a_0_30:notes"/>
+          <p:cNvSpPr txBox="1">
+            <a:spLocks noGrp="1"/>
+          </p:cNvSpPr>
+          <p:nvPr>
+            <p:ph type="body" idx="1"/>
+          </p:nvPr>
+        </p:nvSpPr>
+        <p:spPr>
+          <a:xfrm>
+            <a:off x="685800" y="4343400"/>
+            <a:ext cx="5486400" cy="4114800"/>
+          </a:xfrm>
+          <a:prstGeom prst="rect">
+            <a:avLst/>
+          </a:prstGeom>
+        </p:spPr>
+        <p:txBody>
+          <a:bodyPr spcFirstLastPara="1" wrap="square" lIns="91425" tIns="91425" rIns="91425" bIns="91425" anchor="t" anchorCtr="0">
+            <a:noAutofit/>
+          </a:bodyPr>
+          <a:lstStyle/>
+          <a:p>
+            <a:pPr marL="0" lvl="0" indent="0" algn="l" rtl="0">
+              <a:spcBef>
+                <a:spcPts val="0"/>
+              </a:spcBef>
+              <a:spcAft>
+                <a:spcPts val="0"/>
+              </a:spcAft>
+              <a:buNone/>
+            </a:pPr>
+            <a:endParaRPr/>
+          </a:p>
+        </p:txBody>
+      </p:sp>
+      <p:sp>
+        <p:nvSpPr>
+          <p:cNvPr id="209" name="Google Shape;209;gdae0e5854a_0_30:notes"/>
+          <p:cNvSpPr>
+            <a:spLocks noGrp="1" noRot="1" noChangeAspect="1"/>
+          </p:cNvSpPr>
+          <p:nvPr>
+            <p:ph type="sldImg" idx="2"/>
+          </p:nvPr>
+        </p:nvSpPr>
+        <p:spPr>
+          <a:xfrm>
+            <a:off x="381000" y="685800"/>
+            <a:ext cx="6096000" cy="3429000"/>
+          </a:xfrm>
+          <a:custGeom>
+            <a:avLst/>
+            <a:gdLst/>
+            <a:ahLst/>
+            <a:cxnLst/>
+            <a:rect l="l" t="t" r="r" b="b"/>
+            <a:pathLst>
+              <a:path w="120000" h="120000" extrusionOk="0">
+                <a:moveTo>
+                  <a:pt x="0" y="0"/>
+                </a:moveTo>
+                <a:lnTo>
+                  <a:pt x="120000" y="0"/>
+                </a:lnTo>
+                <a:lnTo>
+                  <a:pt x="120000" y="120000"/>
+                </a:lnTo>
+                <a:lnTo>
+                  <a:pt x="0" y="120000"/>
+                </a:lnTo>
+                <a:close/>
+              </a:path>
+            </a:pathLst>
+          </a:custGeom>
+        </p:spPr>
+      </p:sp>
+    </p:spTree>
+    <p:extLst>
+      <p:ext uri="{BB962C8B-B14F-4D97-AF65-F5344CB8AC3E}">
+        <p14:creationId xmlns:p14="http://schemas.microsoft.com/office/powerpoint/2010/main" val="4279466135"/>
+      </p:ext>
+    </p:extLst>
+  </p:cSld>
+  <p:clrMapOvr>
+    <a:masterClrMapping/>
+  </p:clrMapOvr>
+</p:notes>
+</file>
+
+<file path=ppt/notesSlides/notesSlide18.xml><?xml version="1.0" encoding="utf-8"?>
 <p:notes xmlns:a="http://schemas.openxmlformats.org/drawingml/2006/main" xmlns:r="http://schemas.openxmlformats.org/officeDocument/2006/relationships" xmlns:p="http://schemas.openxmlformats.org/presentationml/2006/main" showMasterSp="0" showMasterPhAnim="0">
   <p:cSld>
     <p:spTree>
@@ -8093,7 +8203,7 @@
               <a:buNone/>
             </a:pPr>
             <a:r>
-              <a:rPr lang="es-ES" sz="1200" b="1" i="0" u="none" strike="noStrike" cap="none">
+              <a:rPr lang="es-ES" sz="1200" b="1" i="0" u="none" strike="noStrike" cap="none" dirty="0">
                 <a:solidFill>
                   <a:srgbClr val="3F3F3F"/>
                 </a:solidFill>
@@ -8102,9 +8212,33 @@
                 <a:cs typeface="Calibri"/>
                 <a:sym typeface="Calibri"/>
               </a:rPr>
-              <a:t>Guarnizo Viru Heidy Julieth</a:t>
+              <a:t>Guarnizo Viru </a:t>
             </a:r>
-            <a:endParaRPr/>
+            <a:r>
+              <a:rPr lang="es-ES" sz="1200" b="1" i="0" u="none" strike="noStrike" cap="none" dirty="0" err="1">
+                <a:solidFill>
+                  <a:srgbClr val="3F3F3F"/>
+                </a:solidFill>
+                <a:latin typeface="Calibri"/>
+                <a:ea typeface="Calibri"/>
+                <a:cs typeface="Calibri"/>
+                <a:sym typeface="Calibri"/>
+              </a:rPr>
+              <a:t>Heidy</a:t>
+            </a:r>
+            <a:r>
+              <a:rPr lang="es-ES" sz="1200" b="1" i="0" u="none" strike="noStrike" cap="none" dirty="0">
+                <a:solidFill>
+                  <a:srgbClr val="3F3F3F"/>
+                </a:solidFill>
+                <a:latin typeface="Calibri"/>
+                <a:ea typeface="Calibri"/>
+                <a:cs typeface="Calibri"/>
+                <a:sym typeface="Calibri"/>
+              </a:rPr>
+              <a:t> Julieth</a:t>
+            </a:r>
+            <a:endParaRPr dirty="0"/>
           </a:p>
           <a:p>
             <a:pPr marL="0" marR="0" lvl="0" indent="0" algn="ctr" rtl="0">
@@ -8117,7 +8251,7 @@
               <a:buNone/>
             </a:pPr>
             <a:r>
-              <a:rPr lang="es-ES" sz="1200" b="1" i="0" u="none" strike="noStrike" cap="none">
+              <a:rPr lang="es-ES" sz="1200" b="1" i="0" u="none" strike="noStrike" cap="none" dirty="0">
                 <a:solidFill>
                   <a:srgbClr val="3F3F3F"/>
                 </a:solidFill>
@@ -8128,7 +8262,7 @@
               </a:rPr>
               <a:t>Rodriguez Prieto Andres Camilo</a:t>
             </a:r>
-            <a:endParaRPr/>
+            <a:endParaRPr dirty="0"/>
           </a:p>
           <a:p>
             <a:pPr marL="0" marR="0" lvl="0" indent="0" algn="ctr" rtl="0">
@@ -8141,7 +8275,7 @@
               <a:buNone/>
             </a:pPr>
             <a:r>
-              <a:rPr lang="es-ES" sz="1200" b="1" i="0" u="none" strike="noStrike" cap="none">
+              <a:rPr lang="es-ES" sz="1200" b="1" i="0" u="none" strike="noStrike" cap="none" dirty="0">
                 <a:solidFill>
                   <a:srgbClr val="3F3F3F"/>
                 </a:solidFill>
@@ -8150,9 +8284,33 @@
                 <a:cs typeface="Calibri"/>
                 <a:sym typeface="Calibri"/>
               </a:rPr>
-              <a:t>Salcedo Gilber Alexander</a:t>
+              <a:t>Salcedo </a:t>
             </a:r>
-            <a:endParaRPr/>
+            <a:r>
+              <a:rPr lang="es-ES" sz="1200" b="1" i="0" u="none" strike="noStrike" cap="none" dirty="0" err="1">
+                <a:solidFill>
+                  <a:srgbClr val="3F3F3F"/>
+                </a:solidFill>
+                <a:latin typeface="Calibri"/>
+                <a:ea typeface="Calibri"/>
+                <a:cs typeface="Calibri"/>
+                <a:sym typeface="Calibri"/>
+              </a:rPr>
+              <a:t>Gilber</a:t>
+            </a:r>
+            <a:r>
+              <a:rPr lang="es-ES" sz="1200" b="1" i="0" u="none" strike="noStrike" cap="none" dirty="0">
+                <a:solidFill>
+                  <a:srgbClr val="3F3F3F"/>
+                </a:solidFill>
+                <a:latin typeface="Calibri"/>
+                <a:ea typeface="Calibri"/>
+                <a:cs typeface="Calibri"/>
+                <a:sym typeface="Calibri"/>
+              </a:rPr>
+              <a:t> Alexander</a:t>
+            </a:r>
+            <a:endParaRPr dirty="0"/>
           </a:p>
         </p:txBody>
       </p:sp>
@@ -8538,18 +8696,6 @@
               </a:rPr>
               <a:t>En el módulo de manejo de caja los vendedores y cajeros podrán crear facturas, consultar clientes y productos. El cajero podrá ingresar los valores de pago de cada factura, esto permitirá tener un mejor control del dinero en caja y también permitirá facilitar la facturación de los productos. Finalmente, en el módulo de informes el administrador y cajero podrán consultar el total de ventas diario y el stock del inventario mediante reportes gráficos e impresos, necesarios para la toma de decisiones del personal administrativo de Artesanía Diluz.</a:t>
             </a:r>
-            <a:r>
-              <a:rPr lang="es-ES" sz="1600">
-                <a:solidFill>
-                  <a:schemeClr val="dk1"/>
-                </a:solidFill>
-                <a:latin typeface="Calibri"/>
-                <a:ea typeface="Calibri"/>
-                <a:cs typeface="Calibri"/>
-                <a:sym typeface="Calibri"/>
-              </a:rPr>
-              <a:t/>
-            </a:r>
             <a:br>
               <a:rPr lang="es-ES" sz="1600">
                 <a:solidFill>
@@ -9179,18 +9325,6 @@
               </a:spcAft>
               <a:buNone/>
             </a:pPr>
-            <a:r>
-              <a:rPr lang="es-ES" sz="1600">
-                <a:solidFill>
-                  <a:schemeClr val="dk1"/>
-                </a:solidFill>
-                <a:latin typeface="Calibri"/>
-                <a:ea typeface="Calibri"/>
-                <a:cs typeface="Calibri"/>
-                <a:sym typeface="Calibri"/>
-              </a:rPr>
-              <a:t/>
-            </a:r>
             <a:br>
               <a:rPr lang="es-ES" sz="1600">
                 <a:solidFill>
@@ -9202,18 +9336,6 @@
                 <a:sym typeface="Calibri"/>
               </a:rPr>
             </a:br>
-            <a:r>
-              <a:rPr lang="es-ES" sz="1600">
-                <a:solidFill>
-                  <a:schemeClr val="dk1"/>
-                </a:solidFill>
-                <a:latin typeface="Calibri"/>
-                <a:ea typeface="Calibri"/>
-                <a:cs typeface="Calibri"/>
-                <a:sym typeface="Calibri"/>
-              </a:rPr>
-              <a:t/>
-            </a:r>
             <a:br>
               <a:rPr lang="es-ES" sz="1600">
                 <a:solidFill>
@@ -9225,18 +9347,6 @@
                 <a:sym typeface="Calibri"/>
               </a:rPr>
             </a:br>
-            <a:r>
-              <a:rPr lang="es-ES" sz="1600">
-                <a:solidFill>
-                  <a:schemeClr val="dk1"/>
-                </a:solidFill>
-                <a:latin typeface="Calibri"/>
-                <a:ea typeface="Calibri"/>
-                <a:cs typeface="Calibri"/>
-                <a:sym typeface="Calibri"/>
-              </a:rPr>
-              <a:t/>
-            </a:r>
             <a:br>
               <a:rPr lang="es-ES" sz="1600">
                 <a:solidFill>
@@ -10822,7 +10932,7 @@
                 <a:hlinkClick r:id="rId3">
                   <a:extLst>
                     <a:ext uri="{A12FA001-AC4F-418D-AE19-62706E023703}">
-                      <ahyp:hlinkClr xmlns="" xmlns:mc="http://schemas.openxmlformats.org/markup-compatibility/2006" xmlns:mv="urn:schemas-microsoft-com:mac:vml" xmlns:c="http://schemas.openxmlformats.org/drawingml/2006/chart" xmlns:dgm="http://schemas.openxmlformats.org/drawingml/2006/diagram" xmlns:o="urn:schemas-microsoft-com:office:office" xmlns:v="urn:schemas-microsoft-com:vml" xmlns:pvml="urn:schemas-microsoft-com:office:powerpoint" xmlns:com="http://schemas.openxmlformats.org/drawingml/2006/compatibility" xmlns:p14="http://schemas.microsoft.com/office/powerpoint/2010/main" xmlns:p15="http://schemas.microsoft.com/office/powerpoint/2012/main" xmlns:ahyp="http://schemas.microsoft.com/office/drawing/2018/hyperlinkcolor" val="tx"/>
+                      <ahyp:hlinkClr xmlns:ahyp="http://schemas.microsoft.com/office/drawing/2018/hyperlinkcolor" val="tx"/>
                     </a:ext>
                   </a:extLst>
                 </a:hlinkClick>
@@ -10864,7 +10974,7 @@
                 <a:hlinkClick r:id="rId4">
                   <a:extLst>
                     <a:ext uri="{A12FA001-AC4F-418D-AE19-62706E023703}">
-                      <ahyp:hlinkClr xmlns="" xmlns:mc="http://schemas.openxmlformats.org/markup-compatibility/2006" xmlns:mv="urn:schemas-microsoft-com:mac:vml" xmlns:c="http://schemas.openxmlformats.org/drawingml/2006/chart" xmlns:dgm="http://schemas.openxmlformats.org/drawingml/2006/diagram" xmlns:o="urn:schemas-microsoft-com:office:office" xmlns:v="urn:schemas-microsoft-com:vml" xmlns:pvml="urn:schemas-microsoft-com:office:powerpoint" xmlns:com="http://schemas.openxmlformats.org/drawingml/2006/compatibility" xmlns:p14="http://schemas.microsoft.com/office/powerpoint/2010/main" xmlns:p15="http://schemas.microsoft.com/office/powerpoint/2012/main" xmlns:ahyp="http://schemas.microsoft.com/office/drawing/2018/hyperlinkcolor" val="tx"/>
+                      <ahyp:hlinkClr xmlns:ahyp="http://schemas.microsoft.com/office/drawing/2018/hyperlinkcolor" val="tx"/>
                     </a:ext>
                   </a:extLst>
                 </a:hlinkClick>
@@ -10906,7 +11016,7 @@
                 <a:hlinkClick r:id="rId5">
                   <a:extLst>
                     <a:ext uri="{A12FA001-AC4F-418D-AE19-62706E023703}">
-                      <ahyp:hlinkClr xmlns="" xmlns:mc="http://schemas.openxmlformats.org/markup-compatibility/2006" xmlns:mv="urn:schemas-microsoft-com:mac:vml" xmlns:c="http://schemas.openxmlformats.org/drawingml/2006/chart" xmlns:dgm="http://schemas.openxmlformats.org/drawingml/2006/diagram" xmlns:o="urn:schemas-microsoft-com:office:office" xmlns:v="urn:schemas-microsoft-com:vml" xmlns:pvml="urn:schemas-microsoft-com:office:powerpoint" xmlns:com="http://schemas.openxmlformats.org/drawingml/2006/compatibility" xmlns:p14="http://schemas.microsoft.com/office/powerpoint/2010/main" xmlns:p15="http://schemas.microsoft.com/office/powerpoint/2012/main" xmlns:ahyp="http://schemas.microsoft.com/office/drawing/2018/hyperlinkcolor" val="tx"/>
+                      <ahyp:hlinkClr xmlns:ahyp="http://schemas.microsoft.com/office/drawing/2018/hyperlinkcolor" val="tx"/>
                     </a:ext>
                   </a:extLst>
                 </a:hlinkClick>
@@ -10948,7 +11058,7 @@
                 <a:hlinkClick r:id="rId6">
                   <a:extLst>
                     <a:ext uri="{A12FA001-AC4F-418D-AE19-62706E023703}">
-                      <ahyp:hlinkClr xmlns="" xmlns:mc="http://schemas.openxmlformats.org/markup-compatibility/2006" xmlns:mv="urn:schemas-microsoft-com:mac:vml" xmlns:c="http://schemas.openxmlformats.org/drawingml/2006/chart" xmlns:dgm="http://schemas.openxmlformats.org/drawingml/2006/diagram" xmlns:o="urn:schemas-microsoft-com:office:office" xmlns:v="urn:schemas-microsoft-com:vml" xmlns:pvml="urn:schemas-microsoft-com:office:powerpoint" xmlns:com="http://schemas.openxmlformats.org/drawingml/2006/compatibility" xmlns:p14="http://schemas.microsoft.com/office/powerpoint/2010/main" xmlns:p15="http://schemas.microsoft.com/office/powerpoint/2012/main" xmlns:ahyp="http://schemas.microsoft.com/office/drawing/2018/hyperlinkcolor" val="tx"/>
+                      <ahyp:hlinkClr xmlns:ahyp="http://schemas.microsoft.com/office/drawing/2018/hyperlinkcolor" val="tx"/>
                     </a:ext>
                   </a:extLst>
                 </a:hlinkClick>
@@ -11347,7 +11457,7 @@
               <a:buNone/>
             </a:pPr>
             <a:r>
-              <a:rPr lang="es-ES" sz="1800" b="1" dirty="0" smtClean="0">
+              <a:rPr lang="es-ES" sz="1800" b="1" dirty="0">
                 <a:solidFill>
                   <a:srgbClr val="3F3F3F"/>
                 </a:solidFill>
@@ -11359,7 +11469,7 @@
               <a:t>G</a:t>
             </a:r>
             <a:r>
-              <a:rPr lang="es-419" sz="1800" b="1" dirty="0" err="1" smtClean="0">
+              <a:rPr lang="es-419" sz="1800" b="1" dirty="0" err="1">
                 <a:solidFill>
                   <a:srgbClr val="3F3F3F"/>
                 </a:solidFill>
@@ -11371,7 +11481,7 @@
               <a:t>antt</a:t>
             </a:r>
             <a:r>
-              <a:rPr lang="es-419" sz="1800" b="1" dirty="0" smtClean="0">
+              <a:rPr lang="es-419" sz="1800" b="1" dirty="0">
                 <a:solidFill>
                   <a:srgbClr val="3F3F3F"/>
                 </a:solidFill>
@@ -11453,7 +11563,7 @@
               <a:t>Construcción de Base de datos (DDL, DML, </a:t>
             </a:r>
             <a:r>
-              <a:rPr lang="es-ES" sz="1800" b="1" dirty="0" err="1" smtClean="0">
+              <a:rPr lang="es-ES" sz="1800" b="1" dirty="0" err="1">
                 <a:solidFill>
                   <a:srgbClr val="3F3F3F"/>
                 </a:solidFill>
@@ -11465,7 +11575,7 @@
               <a:t>Join</a:t>
             </a:r>
             <a:r>
-              <a:rPr lang="es-ES" sz="1800" b="1" dirty="0" smtClean="0">
+              <a:rPr lang="es-ES" sz="1800" b="1" dirty="0">
                 <a:solidFill>
                   <a:srgbClr val="3F3F3F"/>
                 </a:solidFill>
@@ -11677,6 +11787,428 @@
 </file>
 
 <file path=ppt/slides/slide17.xml><?xml version="1.0" encoding="utf-8"?>
+<p:sld xmlns:a="http://schemas.openxmlformats.org/drawingml/2006/main" xmlns:r="http://schemas.openxmlformats.org/officeDocument/2006/relationships" xmlns:p="http://schemas.openxmlformats.org/presentationml/2006/main">
+  <p:cSld>
+    <p:spTree>
+      <p:nvGrpSpPr>
+        <p:cNvPr id="1" name="Shape 210"/>
+        <p:cNvGrpSpPr/>
+        <p:nvPr/>
+      </p:nvGrpSpPr>
+      <p:grpSpPr>
+        <a:xfrm>
+          <a:off x="0" y="0"/>
+          <a:ext cx="0" cy="0"/>
+          <a:chOff x="0" y="0"/>
+          <a:chExt cx="0" cy="0"/>
+        </a:xfrm>
+      </p:grpSpPr>
+      <p:sp>
+        <p:nvSpPr>
+          <p:cNvPr id="211" name="Google Shape;211;gdae0e5854a_0_30"/>
+          <p:cNvSpPr/>
+          <p:nvPr/>
+        </p:nvSpPr>
+        <p:spPr>
+          <a:xfrm>
+            <a:off x="7560961" y="4302549"/>
+            <a:ext cx="1317000" cy="564600"/>
+          </a:xfrm>
+          <a:prstGeom prst="rect">
+            <a:avLst/>
+          </a:prstGeom>
+          <a:noFill/>
+          <a:ln w="9525" cap="flat" cmpd="sng">
+            <a:solidFill>
+              <a:srgbClr val="3F3F3F"/>
+            </a:solidFill>
+            <a:prstDash val="solid"/>
+            <a:round/>
+            <a:headEnd type="none" w="sm" len="sm"/>
+            <a:tailEnd type="none" w="sm" len="sm"/>
+          </a:ln>
+        </p:spPr>
+        <p:txBody>
+          <a:bodyPr spcFirstLastPara="1" wrap="square" lIns="91425" tIns="45700" rIns="91425" bIns="45700" anchor="ctr" anchorCtr="0">
+            <a:noAutofit/>
+          </a:bodyPr>
+          <a:lstStyle/>
+          <a:p>
+            <a:pPr marL="0" marR="0" lvl="0" indent="0" algn="ctr" rtl="0">
+              <a:spcBef>
+                <a:spcPts val="0"/>
+              </a:spcBef>
+              <a:spcAft>
+                <a:spcPts val="0"/>
+              </a:spcAft>
+              <a:buNone/>
+            </a:pPr>
+            <a:endParaRPr sz="1800">
+              <a:solidFill>
+                <a:schemeClr val="lt1"/>
+              </a:solidFill>
+              <a:latin typeface="Calibri"/>
+              <a:ea typeface="Calibri"/>
+              <a:cs typeface="Calibri"/>
+              <a:sym typeface="Calibri"/>
+            </a:endParaRPr>
+          </a:p>
+        </p:txBody>
+      </p:sp>
+      <p:sp>
+        <p:nvSpPr>
+          <p:cNvPr id="212" name="Google Shape;212;gdae0e5854a_0_30"/>
+          <p:cNvSpPr txBox="1"/>
+          <p:nvPr/>
+        </p:nvSpPr>
+        <p:spPr>
+          <a:xfrm>
+            <a:off x="7560961" y="4440062"/>
+            <a:ext cx="1317000" cy="276900"/>
+          </a:xfrm>
+          <a:prstGeom prst="rect">
+            <a:avLst/>
+          </a:prstGeom>
+          <a:noFill/>
+          <a:ln>
+            <a:noFill/>
+          </a:ln>
+        </p:spPr>
+        <p:txBody>
+          <a:bodyPr spcFirstLastPara="1" wrap="square" lIns="91425" tIns="45700" rIns="91425" bIns="45700" anchor="t" anchorCtr="0">
+            <a:spAutoFit/>
+          </a:bodyPr>
+          <a:lstStyle/>
+          <a:p>
+            <a:pPr marL="0" marR="0" lvl="0" indent="0" algn="ctr" rtl="0">
+              <a:spcBef>
+                <a:spcPts val="0"/>
+              </a:spcBef>
+              <a:spcAft>
+                <a:spcPts val="0"/>
+              </a:spcAft>
+              <a:buNone/>
+            </a:pPr>
+            <a:r>
+              <a:rPr lang="es-ES" sz="1200" b="1">
+                <a:solidFill>
+                  <a:srgbClr val="3F3F3F"/>
+                </a:solidFill>
+                <a:latin typeface="Calibri"/>
+                <a:ea typeface="Calibri"/>
+                <a:cs typeface="Calibri"/>
+                <a:sym typeface="Calibri"/>
+              </a:rPr>
+              <a:t>Marca externa</a:t>
+            </a:r>
+            <a:endParaRPr/>
+          </a:p>
+        </p:txBody>
+      </p:sp>
+      <p:sp>
+        <p:nvSpPr>
+          <p:cNvPr id="213" name="Google Shape;213;gdae0e5854a_0_30"/>
+          <p:cNvSpPr/>
+          <p:nvPr/>
+        </p:nvSpPr>
+        <p:spPr>
+          <a:xfrm>
+            <a:off x="663825" y="1502600"/>
+            <a:ext cx="6897136" cy="2124178"/>
+          </a:xfrm>
+          <a:prstGeom prst="rect">
+            <a:avLst/>
+          </a:prstGeom>
+          <a:noFill/>
+          <a:ln>
+            <a:noFill/>
+          </a:ln>
+        </p:spPr>
+        <p:txBody>
+          <a:bodyPr spcFirstLastPara="1" wrap="square" lIns="91425" tIns="45700" rIns="91425" bIns="45700" anchor="ctr" anchorCtr="1">
+            <a:noAutofit/>
+          </a:bodyPr>
+          <a:lstStyle/>
+          <a:p>
+            <a:pPr marL="0" marR="0" lvl="0" indent="0" algn="ctr" rtl="0">
+              <a:lnSpc>
+                <a:spcPct val="120000"/>
+              </a:lnSpc>
+              <a:spcBef>
+                <a:spcPts val="0"/>
+              </a:spcBef>
+              <a:spcAft>
+                <a:spcPts val="0"/>
+              </a:spcAft>
+              <a:buNone/>
+            </a:pPr>
+            <a:r>
+              <a:rPr lang="es-419" sz="1800" b="1" dirty="0">
+                <a:solidFill>
+                  <a:srgbClr val="3F3F3F"/>
+                </a:solidFill>
+                <a:latin typeface="Calibri"/>
+                <a:ea typeface="Calibri"/>
+                <a:cs typeface="Calibri"/>
+                <a:sym typeface="Calibri"/>
+              </a:rPr>
+              <a:t>Manual Técnico.</a:t>
+            </a:r>
+          </a:p>
+          <a:p>
+            <a:pPr marL="0" marR="0" lvl="0" indent="0" algn="ctr" rtl="0">
+              <a:lnSpc>
+                <a:spcPct val="120000"/>
+              </a:lnSpc>
+              <a:spcBef>
+                <a:spcPts val="0"/>
+              </a:spcBef>
+              <a:spcAft>
+                <a:spcPts val="0"/>
+              </a:spcAft>
+              <a:buNone/>
+            </a:pPr>
+            <a:endParaRPr lang="es-419" sz="1800" b="1" dirty="0">
+              <a:solidFill>
+                <a:srgbClr val="3F3F3F"/>
+              </a:solidFill>
+              <a:latin typeface="Calibri"/>
+              <a:ea typeface="Calibri"/>
+              <a:cs typeface="Calibri"/>
+              <a:sym typeface="Calibri"/>
+            </a:endParaRPr>
+          </a:p>
+          <a:p>
+            <a:pPr marL="0" marR="0" lvl="0" indent="0" algn="ctr" rtl="0">
+              <a:lnSpc>
+                <a:spcPct val="120000"/>
+              </a:lnSpc>
+              <a:spcBef>
+                <a:spcPts val="0"/>
+              </a:spcBef>
+              <a:spcAft>
+                <a:spcPts val="0"/>
+              </a:spcAft>
+              <a:buNone/>
+            </a:pPr>
+            <a:r>
+              <a:rPr lang="es-419" sz="1800" b="1" dirty="0">
+                <a:solidFill>
+                  <a:srgbClr val="3F3F3F"/>
+                </a:solidFill>
+                <a:latin typeface="Calibri"/>
+                <a:ea typeface="Calibri"/>
+                <a:cs typeface="Calibri"/>
+                <a:sym typeface="Calibri"/>
+              </a:rPr>
+              <a:t>Prototipo.</a:t>
+            </a:r>
+            <a:endParaRPr sz="1800" b="1" dirty="0">
+              <a:solidFill>
+                <a:srgbClr val="3F3F3F"/>
+              </a:solidFill>
+              <a:latin typeface="Calibri"/>
+              <a:ea typeface="Calibri"/>
+              <a:cs typeface="Calibri"/>
+              <a:sym typeface="Calibri"/>
+            </a:endParaRPr>
+          </a:p>
+        </p:txBody>
+      </p:sp>
+      <p:sp>
+        <p:nvSpPr>
+          <p:cNvPr id="214" name="Google Shape;214;gdae0e5854a_0_30"/>
+          <p:cNvSpPr txBox="1"/>
+          <p:nvPr/>
+        </p:nvSpPr>
+        <p:spPr>
+          <a:xfrm>
+            <a:off x="509451" y="555025"/>
+            <a:ext cx="5179500" cy="369300"/>
+          </a:xfrm>
+          <a:prstGeom prst="rect">
+            <a:avLst/>
+          </a:prstGeom>
+          <a:noFill/>
+          <a:ln>
+            <a:noFill/>
+          </a:ln>
+        </p:spPr>
+        <p:txBody>
+          <a:bodyPr spcFirstLastPara="1" wrap="square" lIns="91425" tIns="45700" rIns="91425" bIns="45700" anchor="t" anchorCtr="0">
+            <a:spAutoFit/>
+          </a:bodyPr>
+          <a:lstStyle/>
+          <a:p>
+            <a:pPr marL="0" marR="0" lvl="0" indent="0" algn="l" rtl="0">
+              <a:spcBef>
+                <a:spcPts val="0"/>
+              </a:spcBef>
+              <a:spcAft>
+                <a:spcPts val="0"/>
+              </a:spcAft>
+              <a:buNone/>
+            </a:pPr>
+            <a:r>
+              <a:rPr lang="es-ES" sz="1800" b="1">
+                <a:solidFill>
+                  <a:srgbClr val="3F3F3F"/>
+                </a:solidFill>
+                <a:latin typeface="Calibri"/>
+                <a:ea typeface="Calibri"/>
+                <a:cs typeface="Calibri"/>
+                <a:sym typeface="Calibri"/>
+              </a:rPr>
+              <a:t>Entregables Proyecto Formativo Cuarto Trimestre</a:t>
+            </a:r>
+            <a:endParaRPr/>
+          </a:p>
+        </p:txBody>
+      </p:sp>
+      <p:sp>
+        <p:nvSpPr>
+          <p:cNvPr id="215" name="Google Shape;215;gdae0e5854a_0_30"/>
+          <p:cNvSpPr/>
+          <p:nvPr/>
+        </p:nvSpPr>
+        <p:spPr>
+          <a:xfrm>
+            <a:off x="607405" y="957918"/>
+            <a:ext cx="718500" cy="45600"/>
+          </a:xfrm>
+          <a:prstGeom prst="rect">
+            <a:avLst/>
+          </a:prstGeom>
+          <a:solidFill>
+            <a:srgbClr val="FF6600"/>
+          </a:solidFill>
+          <a:ln>
+            <a:noFill/>
+          </a:ln>
+        </p:spPr>
+        <p:txBody>
+          <a:bodyPr spcFirstLastPara="1" wrap="square" lIns="91425" tIns="45700" rIns="91425" bIns="45700" anchor="ctr" anchorCtr="0">
+            <a:noAutofit/>
+          </a:bodyPr>
+          <a:lstStyle/>
+          <a:p>
+            <a:pPr marL="0" marR="0" lvl="0" indent="0" algn="ctr" rtl="0">
+              <a:spcBef>
+                <a:spcPts val="0"/>
+              </a:spcBef>
+              <a:spcAft>
+                <a:spcPts val="0"/>
+              </a:spcAft>
+              <a:buNone/>
+            </a:pPr>
+            <a:endParaRPr sz="1800">
+              <a:solidFill>
+                <a:schemeClr val="lt1"/>
+              </a:solidFill>
+              <a:latin typeface="Calibri"/>
+              <a:ea typeface="Calibri"/>
+              <a:cs typeface="Calibri"/>
+              <a:sym typeface="Calibri"/>
+            </a:endParaRPr>
+          </a:p>
+        </p:txBody>
+      </p:sp>
+      <p:sp>
+        <p:nvSpPr>
+          <p:cNvPr id="216" name="Google Shape;216;gdae0e5854a_0_30">
+            <a:hlinkClick r:id="rId3" action="ppaction://hlinksldjump"/>
+          </p:cNvPr>
+          <p:cNvSpPr/>
+          <p:nvPr/>
+        </p:nvSpPr>
+        <p:spPr>
+          <a:xfrm>
+            <a:off x="8212822" y="192947"/>
+            <a:ext cx="746700" cy="679500"/>
+          </a:xfrm>
+          <a:prstGeom prst="rect">
+            <a:avLst/>
+          </a:prstGeom>
+          <a:noFill/>
+          <a:ln>
+            <a:noFill/>
+          </a:ln>
+          <a:effectLst>
+            <a:outerShdw blurRad="40000" dist="23000" dir="5400000" rotWithShape="0">
+              <a:srgbClr val="000000">
+                <a:alpha val="34900"/>
+              </a:srgbClr>
+            </a:outerShdw>
+          </a:effectLst>
+        </p:spPr>
+        <p:txBody>
+          <a:bodyPr spcFirstLastPara="1" wrap="square" lIns="91425" tIns="45700" rIns="91425" bIns="45700" anchor="ctr" anchorCtr="0">
+            <a:noAutofit/>
+          </a:bodyPr>
+          <a:lstStyle/>
+          <a:p>
+            <a:pPr marL="0" marR="0" lvl="0" indent="0" algn="ctr" rtl="0">
+              <a:spcBef>
+                <a:spcPts val="0"/>
+              </a:spcBef>
+              <a:spcAft>
+                <a:spcPts val="0"/>
+              </a:spcAft>
+              <a:buNone/>
+            </a:pPr>
+            <a:endParaRPr sz="1800">
+              <a:solidFill>
+                <a:schemeClr val="lt1"/>
+              </a:solidFill>
+              <a:latin typeface="Calibri"/>
+              <a:ea typeface="Calibri"/>
+              <a:cs typeface="Calibri"/>
+              <a:sym typeface="Calibri"/>
+            </a:endParaRPr>
+          </a:p>
+        </p:txBody>
+      </p:sp>
+      <p:pic>
+        <p:nvPicPr>
+          <p:cNvPr id="217" name="Google Shape;217;gdae0e5854a_0_30" descr="https://lh6.googleusercontent.com/x65Hn9DJax4u9nQSPuRoat5jkQZrvsTdbVFCAZFZd6OshynWDE0DPYqxguIdDcnYWYxzLBfSASfX9eKAUwoagwHElpXEqdcZWw_XCh_PPQuDYUYG0hLigu05XLoZwRT_n71t70I"/>
+          <p:cNvPicPr preferRelativeResize="0"/>
+          <p:nvPr/>
+        </p:nvPicPr>
+        <p:blipFill rotWithShape="1">
+          <a:blip r:embed="rId4">
+            <a:alphaModFix/>
+          </a:blip>
+          <a:srcRect l="4345" t="7106" r="3190"/>
+          <a:stretch/>
+        </p:blipFill>
+        <p:spPr>
+          <a:xfrm>
+            <a:off x="7466793" y="4216855"/>
+            <a:ext cx="1505329" cy="835277"/>
+          </a:xfrm>
+          <a:prstGeom prst="rect">
+            <a:avLst/>
+          </a:prstGeom>
+          <a:noFill/>
+          <a:ln>
+            <a:noFill/>
+          </a:ln>
+        </p:spPr>
+      </p:pic>
+    </p:spTree>
+    <p:extLst>
+      <p:ext uri="{BB962C8B-B14F-4D97-AF65-F5344CB8AC3E}">
+        <p14:creationId xmlns:p14="http://schemas.microsoft.com/office/powerpoint/2010/main" val="423690395"/>
+      </p:ext>
+    </p:extLst>
+  </p:cSld>
+  <p:clrMapOvr>
+    <a:masterClrMapping/>
+  </p:clrMapOvr>
+</p:sld>
+</file>
+
+<file path=ppt/slides/slide18.xml><?xml version="1.0" encoding="utf-8"?>
 <p:sld xmlns:a="http://schemas.openxmlformats.org/drawingml/2006/main" xmlns:r="http://schemas.openxmlformats.org/officeDocument/2006/relationships" xmlns:p="http://schemas.openxmlformats.org/presentationml/2006/main">
   <p:cSld>
     <p:spTree>
@@ -12198,7 +12730,7 @@
                 <a:hlinkClick r:id="rId3" action="ppaction://hlinksldjump">
                   <a:extLst>
                     <a:ext uri="{A12FA001-AC4F-418D-AE19-62706E023703}">
-                      <ahyp:hlinkClr xmlns="" xmlns:mc="http://schemas.openxmlformats.org/markup-compatibility/2006" xmlns:mv="urn:schemas-microsoft-com:mac:vml" xmlns:c="http://schemas.openxmlformats.org/drawingml/2006/chart" xmlns:dgm="http://schemas.openxmlformats.org/drawingml/2006/diagram" xmlns:o="urn:schemas-microsoft-com:office:office" xmlns:v="urn:schemas-microsoft-com:vml" xmlns:pvml="urn:schemas-microsoft-com:office:powerpoint" xmlns:com="http://schemas.openxmlformats.org/drawingml/2006/compatibility" xmlns:p14="http://schemas.microsoft.com/office/powerpoint/2010/main" xmlns:p15="http://schemas.microsoft.com/office/powerpoint/2012/main" xmlns:ahyp="http://schemas.microsoft.com/office/drawing/2018/hyperlinkcolor" val="tx"/>
+                      <ahyp:hlinkClr xmlns:ahyp="http://schemas.microsoft.com/office/drawing/2018/hyperlinkcolor" val="tx"/>
                     </a:ext>
                   </a:extLst>
                 </a:hlinkClick>
@@ -12237,7 +12769,7 @@
                 <a:hlinkClick r:id="rId4" action="ppaction://hlinksldjump">
                   <a:extLst>
                     <a:ext uri="{A12FA001-AC4F-418D-AE19-62706E023703}">
-                      <ahyp:hlinkClr xmlns="" xmlns:mc="http://schemas.openxmlformats.org/markup-compatibility/2006" xmlns:mv="urn:schemas-microsoft-com:mac:vml" xmlns:c="http://schemas.openxmlformats.org/drawingml/2006/chart" xmlns:dgm="http://schemas.openxmlformats.org/drawingml/2006/diagram" xmlns:o="urn:schemas-microsoft-com:office:office" xmlns:v="urn:schemas-microsoft-com:vml" xmlns:pvml="urn:schemas-microsoft-com:office:powerpoint" xmlns:com="http://schemas.openxmlformats.org/drawingml/2006/compatibility" xmlns:p14="http://schemas.microsoft.com/office/powerpoint/2010/main" xmlns:p15="http://schemas.microsoft.com/office/powerpoint/2012/main" xmlns:ahyp="http://schemas.microsoft.com/office/drawing/2018/hyperlinkcolor" val="tx"/>
+                      <ahyp:hlinkClr xmlns:ahyp="http://schemas.microsoft.com/office/drawing/2018/hyperlinkcolor" val="tx"/>
                     </a:ext>
                   </a:extLst>
                 </a:hlinkClick>
@@ -12276,7 +12808,7 @@
                 <a:hlinkClick r:id="rId5" action="ppaction://hlinksldjump">
                   <a:extLst>
                     <a:ext uri="{A12FA001-AC4F-418D-AE19-62706E023703}">
-                      <ahyp:hlinkClr xmlns="" xmlns:mc="http://schemas.openxmlformats.org/markup-compatibility/2006" xmlns:mv="urn:schemas-microsoft-com:mac:vml" xmlns:c="http://schemas.openxmlformats.org/drawingml/2006/chart" xmlns:dgm="http://schemas.openxmlformats.org/drawingml/2006/diagram" xmlns:o="urn:schemas-microsoft-com:office:office" xmlns:v="urn:schemas-microsoft-com:vml" xmlns:pvml="urn:schemas-microsoft-com:office:powerpoint" xmlns:com="http://schemas.openxmlformats.org/drawingml/2006/compatibility" xmlns:p14="http://schemas.microsoft.com/office/powerpoint/2010/main" xmlns:p15="http://schemas.microsoft.com/office/powerpoint/2012/main" xmlns:ahyp="http://schemas.microsoft.com/office/drawing/2018/hyperlinkcolor" val="tx"/>
+                      <ahyp:hlinkClr xmlns:ahyp="http://schemas.microsoft.com/office/drawing/2018/hyperlinkcolor" val="tx"/>
                     </a:ext>
                   </a:extLst>
                 </a:hlinkClick>
@@ -12315,7 +12847,7 @@
                 <a:hlinkClick r:id="rId6" action="ppaction://hlinksldjump">
                   <a:extLst>
                     <a:ext uri="{A12FA001-AC4F-418D-AE19-62706E023703}">
-                      <ahyp:hlinkClr xmlns="" xmlns:mc="http://schemas.openxmlformats.org/markup-compatibility/2006" xmlns:mv="urn:schemas-microsoft-com:mac:vml" xmlns:c="http://schemas.openxmlformats.org/drawingml/2006/chart" xmlns:dgm="http://schemas.openxmlformats.org/drawingml/2006/diagram" xmlns:o="urn:schemas-microsoft-com:office:office" xmlns:v="urn:schemas-microsoft-com:vml" xmlns:pvml="urn:schemas-microsoft-com:office:powerpoint" xmlns:com="http://schemas.openxmlformats.org/drawingml/2006/compatibility" xmlns:p14="http://schemas.microsoft.com/office/powerpoint/2010/main" xmlns:p15="http://schemas.microsoft.com/office/powerpoint/2012/main" xmlns:ahyp="http://schemas.microsoft.com/office/drawing/2018/hyperlinkcolor" val="tx"/>
+                      <ahyp:hlinkClr xmlns:ahyp="http://schemas.microsoft.com/office/drawing/2018/hyperlinkcolor" val="tx"/>
                     </a:ext>
                   </a:extLst>
                 </a:hlinkClick>
@@ -12351,10 +12883,10 @@
                 <a:ea typeface="Calibri"/>
                 <a:cs typeface="Calibri"/>
                 <a:sym typeface="Calibri"/>
-                <a:hlinkClick r:id="">
+                <a:hlinkClick r:id="" action="ppaction://noaction">
                   <a:extLst>
                     <a:ext uri="{A12FA001-AC4F-418D-AE19-62706E023703}">
-                      <ahyp:hlinkClr xmlns="" xmlns:mc="http://schemas.openxmlformats.org/markup-compatibility/2006" xmlns:mv="urn:schemas-microsoft-com:mac:vml" xmlns:c="http://schemas.openxmlformats.org/drawingml/2006/chart" xmlns:dgm="http://schemas.openxmlformats.org/drawingml/2006/diagram" xmlns:o="urn:schemas-microsoft-com:office:office" xmlns:v="urn:schemas-microsoft-com:vml" xmlns:pvml="urn:schemas-microsoft-com:office:powerpoint" xmlns:com="http://schemas.openxmlformats.org/drawingml/2006/compatibility" xmlns:p14="http://schemas.microsoft.com/office/powerpoint/2010/main" xmlns:p15="http://schemas.microsoft.com/office/powerpoint/2012/main" xmlns:ahyp="http://schemas.microsoft.com/office/drawing/2018/hyperlinkcolor" val="tx"/>
+                      <ahyp:hlinkClr xmlns:ahyp="http://schemas.microsoft.com/office/drawing/2018/hyperlinkcolor" val="tx"/>
                     </a:ext>
                   </a:extLst>
                 </a:hlinkClick>

--- a/proy_formativo/documentacion/1er_Trim/1_Presentación_Sustentacion.pptx
+++ b/proy_formativo/documentacion/1er_Trim/1_Presentación_Sustentacion.pptx
@@ -5,7 +5,7 @@
     <p:sldMasterId id="2147483648" r:id="rId1"/>
   </p:sldMasterIdLst>
   <p:notesMasterIdLst>
-    <p:notesMasterId r:id="rId20"/>
+    <p:notesMasterId r:id="rId21"/>
   </p:notesMasterIdLst>
   <p:sldIdLst>
     <p:sldId id="256" r:id="rId2"/>
@@ -25,7 +25,8 @@
     <p:sldId id="270" r:id="rId16"/>
     <p:sldId id="271" r:id="rId17"/>
     <p:sldId id="273" r:id="rId18"/>
-    <p:sldId id="272" r:id="rId19"/>
+    <p:sldId id="274" r:id="rId19"/>
+    <p:sldId id="272" r:id="rId20"/>
   </p:sldIdLst>
   <p:sldSz cx="9144000" cy="5143500" type="screen16x9"/>
   <p:notesSz cx="6858000" cy="9144000"/>
@@ -274,7 +275,7 @@
       </p15:sldGuideLst>
     </p:ext>
     <p:ext uri="http://customooxmlschemas.google.com/">
-      <go:slidesCustomData xmlns:go="http://customooxmlschemas.google.com/" xmlns:ahyp="http://schemas.microsoft.com/office/drawing/2018/hyperlinkcolor" xmlns:p15="http://schemas.microsoft.com/office/powerpoint/2012/main" xmlns:p14="http://schemas.microsoft.com/office/powerpoint/2010/main" xmlns:com="http://schemas.openxmlformats.org/drawingml/2006/compatibility" xmlns:pvml="urn:schemas-microsoft-com:office:powerpoint" xmlns:v="urn:schemas-microsoft-com:vml" xmlns:o="urn:schemas-microsoft-com:office:office" xmlns:dgm="http://schemas.openxmlformats.org/drawingml/2006/diagram" xmlns:c="http://schemas.openxmlformats.org/drawingml/2006/chart" xmlns:mv="urn:schemas-microsoft-com:mac:vml" xmlns:mc="http://schemas.openxmlformats.org/markup-compatibility/2006" xmlns="" r:id="rId23" roundtripDataSignature="AMtx7miNLNB0yB+HlUh+J0GH892/7zOKIw=="/>
+      <go:slidesCustomData xmlns="" xmlns:mc="http://schemas.openxmlformats.org/markup-compatibility/2006" xmlns:mv="urn:schemas-microsoft-com:mac:vml" xmlns:c="http://schemas.openxmlformats.org/drawingml/2006/chart" xmlns:dgm="http://schemas.openxmlformats.org/drawingml/2006/diagram" xmlns:o="urn:schemas-microsoft-com:office:office" xmlns:v="urn:schemas-microsoft-com:vml" xmlns:pvml="urn:schemas-microsoft-com:office:powerpoint" xmlns:com="http://schemas.openxmlformats.org/drawingml/2006/compatibility" xmlns:p14="http://schemas.microsoft.com/office/powerpoint/2010/main" xmlns:p15="http://schemas.microsoft.com/office/powerpoint/2012/main" xmlns:ahyp="http://schemas.microsoft.com/office/drawing/2018/hyperlinkcolor" xmlns:go="http://customooxmlschemas.google.com/" r:id="rId23" roundtripDataSignature="AMtx7miNLNB0yB+HlUh+J0GH892/7zOKIw=="/>
     </p:ext>
   </p:extLst>
 </p:presentation>
@@ -1708,6 +1709,115 @@
 </file>
 
 <file path=ppt/notesSlides/notesSlide18.xml><?xml version="1.0" encoding="utf-8"?>
+<p:notes xmlns:a="http://schemas.openxmlformats.org/drawingml/2006/main" xmlns:r="http://schemas.openxmlformats.org/officeDocument/2006/relationships" xmlns:p="http://schemas.openxmlformats.org/presentationml/2006/main" showMasterSp="0" showMasterPhAnim="0">
+  <p:cSld>
+    <p:spTree>
+      <p:nvGrpSpPr>
+        <p:cNvPr id="1" name="Shape 207"/>
+        <p:cNvGrpSpPr/>
+        <p:nvPr/>
+      </p:nvGrpSpPr>
+      <p:grpSpPr>
+        <a:xfrm>
+          <a:off x="0" y="0"/>
+          <a:ext cx="0" cy="0"/>
+          <a:chOff x="0" y="0"/>
+          <a:chExt cx="0" cy="0"/>
+        </a:xfrm>
+      </p:grpSpPr>
+      <p:sp>
+        <p:nvSpPr>
+          <p:cNvPr id="208" name="Google Shape;208;gdae0e5854a_0_30:notes"/>
+          <p:cNvSpPr txBox="1">
+            <a:spLocks noGrp="1"/>
+          </p:cNvSpPr>
+          <p:nvPr>
+            <p:ph type="body" idx="1"/>
+          </p:nvPr>
+        </p:nvSpPr>
+        <p:spPr>
+          <a:xfrm>
+            <a:off x="685800" y="4343400"/>
+            <a:ext cx="5486400" cy="4114800"/>
+          </a:xfrm>
+          <a:prstGeom prst="rect">
+            <a:avLst/>
+          </a:prstGeom>
+        </p:spPr>
+        <p:txBody>
+          <a:bodyPr spcFirstLastPara="1" wrap="square" lIns="91425" tIns="91425" rIns="91425" bIns="91425" anchor="t" anchorCtr="0">
+            <a:noAutofit/>
+          </a:bodyPr>
+          <a:lstStyle/>
+          <a:p>
+            <a:pPr marL="0" lvl="0" indent="0" algn="l" rtl="0">
+              <a:spcBef>
+                <a:spcPts val="0"/>
+              </a:spcBef>
+              <a:spcAft>
+                <a:spcPts val="0"/>
+              </a:spcAft>
+              <a:buNone/>
+            </a:pPr>
+            <a:endParaRPr/>
+          </a:p>
+        </p:txBody>
+      </p:sp>
+      <p:sp>
+        <p:nvSpPr>
+          <p:cNvPr id="209" name="Google Shape;209;gdae0e5854a_0_30:notes"/>
+          <p:cNvSpPr>
+            <a:spLocks noGrp="1" noRot="1" noChangeAspect="1"/>
+          </p:cNvSpPr>
+          <p:nvPr>
+            <p:ph type="sldImg" idx="2"/>
+          </p:nvPr>
+        </p:nvSpPr>
+        <p:spPr>
+          <a:xfrm>
+            <a:off x="381000" y="685800"/>
+            <a:ext cx="6096000" cy="3429000"/>
+          </a:xfrm>
+          <a:custGeom>
+            <a:avLst/>
+            <a:gdLst/>
+            <a:ahLst/>
+            <a:cxnLst/>
+            <a:rect l="l" t="t" r="r" b="b"/>
+            <a:pathLst>
+              <a:path w="120000" h="120000" extrusionOk="0">
+                <a:moveTo>
+                  <a:pt x="0" y="0"/>
+                </a:moveTo>
+                <a:lnTo>
+                  <a:pt x="120000" y="0"/>
+                </a:lnTo>
+                <a:lnTo>
+                  <a:pt x="120000" y="120000"/>
+                </a:lnTo>
+                <a:lnTo>
+                  <a:pt x="0" y="120000"/>
+                </a:lnTo>
+                <a:close/>
+              </a:path>
+            </a:pathLst>
+          </a:custGeom>
+        </p:spPr>
+      </p:sp>
+    </p:spTree>
+    <p:extLst>
+      <p:ext uri="{BB962C8B-B14F-4D97-AF65-F5344CB8AC3E}">
+        <p14:creationId xmlns:p14="http://schemas.microsoft.com/office/powerpoint/2010/main" val="3777003004"/>
+      </p:ext>
+    </p:extLst>
+  </p:cSld>
+  <p:clrMapOvr>
+    <a:masterClrMapping/>
+  </p:clrMapOvr>
+</p:notes>
+</file>
+
+<file path=ppt/notesSlides/notesSlide19.xml><?xml version="1.0" encoding="utf-8"?>
 <p:notes xmlns:a="http://schemas.openxmlformats.org/drawingml/2006/main" xmlns:r="http://schemas.openxmlformats.org/officeDocument/2006/relationships" xmlns:p="http://schemas.openxmlformats.org/presentationml/2006/main" showMasterSp="0" showMasterPhAnim="0">
   <p:cSld>
     <p:spTree>
@@ -8031,7 +8141,7 @@
         <p:spPr>
           <a:xfrm>
             <a:off x="896111" y="3672540"/>
-            <a:ext cx="7324717" cy="830997"/>
+            <a:ext cx="7324717" cy="646290"/>
           </a:xfrm>
           <a:prstGeom prst="rect">
             <a:avLst/>
@@ -8057,7 +8167,7 @@
               <a:buNone/>
             </a:pPr>
             <a:r>
-              <a:rPr lang="es-ES" sz="1200" b="1" i="0" u="none" strike="noStrike" cap="none">
+              <a:rPr lang="es-ES" sz="1200" b="1" i="0" u="none" strike="noStrike" cap="none" dirty="0">
                 <a:solidFill>
                   <a:srgbClr val="3F3F3F"/>
                 </a:solidFill>
@@ -8068,7 +8178,7 @@
               </a:rPr>
               <a:t>Servicio Nacional de Aprendizaje – SENA, Centro de Electricidad Electrónica y Telecomunicaciones</a:t>
             </a:r>
-            <a:endParaRPr/>
+            <a:endParaRPr dirty="0"/>
           </a:p>
           <a:p>
             <a:pPr marL="0" marR="0" lvl="0" indent="0" algn="ctr" rtl="0">
@@ -8081,7 +8191,7 @@
               <a:buNone/>
             </a:pPr>
             <a:r>
-              <a:rPr lang="es-ES" sz="1200" b="1" i="0" u="none" strike="noStrike" cap="none">
+              <a:rPr lang="es-ES" sz="1200" b="1" i="0" u="none" strike="noStrike" cap="none" dirty="0">
                 <a:solidFill>
                   <a:srgbClr val="3F3F3F"/>
                 </a:solidFill>
@@ -8090,22 +8200,10 @@
                 <a:cs typeface="Calibri"/>
                 <a:sym typeface="Calibri"/>
               </a:rPr>
-              <a:t>Análisis y Desarrollo de Sistemas de Información, Tercer Trimestre</a:t>
+              <a:t>Análisis y Desarrollo de Sistemas de </a:t>
             </a:r>
-            <a:endParaRPr/>
-          </a:p>
-          <a:p>
-            <a:pPr marL="0" marR="0" lvl="0" indent="0" algn="ctr" rtl="0">
-              <a:spcBef>
-                <a:spcPts val="0"/>
-              </a:spcBef>
-              <a:spcAft>
-                <a:spcPts val="0"/>
-              </a:spcAft>
-              <a:buNone/>
-            </a:pPr>
             <a:r>
-              <a:rPr lang="es-ES" sz="1200" b="1" i="0" u="none" strike="noStrike" cap="none">
+              <a:rPr lang="es-ES" sz="1200" b="1" i="0" u="none" strike="noStrike" cap="none" dirty="0" smtClean="0">
                 <a:solidFill>
                   <a:srgbClr val="3F3F3F"/>
                 </a:solidFill>
@@ -8114,9 +8212,8 @@
                 <a:cs typeface="Calibri"/>
                 <a:sym typeface="Calibri"/>
               </a:rPr>
-              <a:t>Instructor Albeiro Ramos </a:t>
+              <a:t>Información</a:t>
             </a:r>
-            <a:endParaRPr/>
           </a:p>
           <a:p>
             <a:pPr marL="0" marR="0" lvl="0" indent="0" algn="ctr" rtl="0">
@@ -8129,7 +8226,7 @@
               <a:buNone/>
             </a:pPr>
             <a:r>
-              <a:rPr lang="es-ES" sz="1200" b="1" i="0" u="none" strike="noStrike" cap="none">
+              <a:rPr lang="es-ES" sz="1200" b="1" i="0" u="none" strike="noStrike" cap="none" dirty="0" smtClean="0">
                 <a:solidFill>
                   <a:srgbClr val="3F3F3F"/>
                 </a:solidFill>
@@ -8138,10 +8235,10 @@
                 <a:cs typeface="Calibri"/>
                 <a:sym typeface="Calibri"/>
               </a:rPr>
-              <a:t>Bogotá, </a:t>
+              <a:t>Bogotá</a:t>
             </a:r>
             <a:r>
-              <a:rPr lang="es-ES" sz="1200" b="1">
+              <a:rPr lang="es-ES" sz="1200" b="1" i="0" u="none" strike="noStrike" cap="none" dirty="0">
                 <a:solidFill>
                   <a:srgbClr val="3F3F3F"/>
                 </a:solidFill>
@@ -8150,7 +8247,31 @@
                 <a:cs typeface="Calibri"/>
                 <a:sym typeface="Calibri"/>
               </a:rPr>
-              <a:t>7</a:t>
+              <a:t>, </a:t>
+            </a:r>
+            <a:r>
+              <a:rPr lang="es-ES" sz="1200" b="1" dirty="0" smtClean="0">
+                <a:solidFill>
+                  <a:srgbClr val="3F3F3F"/>
+                </a:solidFill>
+                <a:latin typeface="Calibri"/>
+                <a:ea typeface="Calibri"/>
+                <a:cs typeface="Calibri"/>
+                <a:sym typeface="Calibri"/>
+              </a:rPr>
+              <a:t>11</a:t>
+            </a:r>
+            <a:r>
+              <a:rPr lang="es-ES" sz="1200" b="1" i="0" u="none" strike="noStrike" cap="none" dirty="0" smtClean="0">
+                <a:solidFill>
+                  <a:srgbClr val="3F3F3F"/>
+                </a:solidFill>
+                <a:latin typeface="Calibri"/>
+                <a:ea typeface="Calibri"/>
+                <a:cs typeface="Calibri"/>
+                <a:sym typeface="Calibri"/>
+              </a:rPr>
+              <a:t> </a:t>
             </a:r>
             <a:r>
               <a:rPr lang="es-ES" sz="1200" b="1" i="0" u="none" strike="noStrike" cap="none">
@@ -8162,9 +8283,45 @@
                 <a:cs typeface="Calibri"/>
                 <a:sym typeface="Calibri"/>
               </a:rPr>
-              <a:t> de marzo de 2021</a:t>
+              <a:t>de </a:t>
             </a:r>
-            <a:endParaRPr/>
+            <a:r>
+              <a:rPr lang="es-ES" sz="1200" b="1" smtClean="0">
+                <a:solidFill>
+                  <a:srgbClr val="3F3F3F"/>
+                </a:solidFill>
+                <a:latin typeface="Calibri"/>
+                <a:ea typeface="Calibri"/>
+                <a:cs typeface="Calibri"/>
+                <a:sym typeface="Calibri"/>
+              </a:rPr>
+              <a:t>diciembre</a:t>
+            </a:r>
+            <a:r>
+              <a:rPr lang="es-ES" sz="1200" b="1" i="0" u="none" strike="noStrike" cap="none" smtClean="0">
+                <a:solidFill>
+                  <a:srgbClr val="3F3F3F"/>
+                </a:solidFill>
+                <a:latin typeface="Calibri"/>
+                <a:ea typeface="Calibri"/>
+                <a:cs typeface="Calibri"/>
+                <a:sym typeface="Calibri"/>
+              </a:rPr>
+              <a:t> </a:t>
+            </a:r>
+            <a:r>
+              <a:rPr lang="es-ES" sz="1200" b="1" i="0" u="none" strike="noStrike" cap="none" dirty="0">
+                <a:solidFill>
+                  <a:srgbClr val="3F3F3F"/>
+                </a:solidFill>
+                <a:latin typeface="Calibri"/>
+                <a:ea typeface="Calibri"/>
+                <a:cs typeface="Calibri"/>
+                <a:sym typeface="Calibri"/>
+              </a:rPr>
+              <a:t>de 2021</a:t>
+            </a:r>
+            <a:endParaRPr dirty="0"/>
           </a:p>
         </p:txBody>
       </p:sp>
@@ -8176,8 +8333,8 @@
         </p:nvSpPr>
         <p:spPr>
           <a:xfrm>
-            <a:off x="896111" y="2529765"/>
-            <a:ext cx="7324717" cy="646331"/>
+            <a:off x="896111" y="2622118"/>
+            <a:ext cx="7324717" cy="461624"/>
           </a:xfrm>
           <a:prstGeom prst="rect">
             <a:avLst/>
@@ -8260,31 +8417,7 @@
                 <a:cs typeface="Calibri"/>
                 <a:sym typeface="Calibri"/>
               </a:rPr>
-              <a:t>Rodriguez Prieto Andres Camilo</a:t>
-            </a:r>
-            <a:endParaRPr dirty="0"/>
-          </a:p>
-          <a:p>
-            <a:pPr marL="0" marR="0" lvl="0" indent="0" algn="ctr" rtl="0">
-              <a:spcBef>
-                <a:spcPts val="0"/>
-              </a:spcBef>
-              <a:spcAft>
-                <a:spcPts val="0"/>
-              </a:spcAft>
-              <a:buNone/>
-            </a:pPr>
-            <a:r>
-              <a:rPr lang="es-ES" sz="1200" b="1" i="0" u="none" strike="noStrike" cap="none" dirty="0">
-                <a:solidFill>
-                  <a:srgbClr val="3F3F3F"/>
-                </a:solidFill>
-                <a:latin typeface="Calibri"/>
-                <a:ea typeface="Calibri"/>
-                <a:cs typeface="Calibri"/>
-                <a:sym typeface="Calibri"/>
-              </a:rPr>
-              <a:t>Salcedo </a:t>
+              <a:t>Rodriguez Prieto </a:t>
             </a:r>
             <a:r>
               <a:rPr lang="es-ES" sz="1200" b="1" i="0" u="none" strike="noStrike" cap="none" dirty="0" err="1">
@@ -8296,7 +8429,7 @@
                 <a:cs typeface="Calibri"/>
                 <a:sym typeface="Calibri"/>
               </a:rPr>
-              <a:t>Gilber</a:t>
+              <a:t>Andres</a:t>
             </a:r>
             <a:r>
               <a:rPr lang="es-ES" sz="1200" b="1" i="0" u="none" strike="noStrike" cap="none" dirty="0">
@@ -8308,7 +8441,19 @@
                 <a:cs typeface="Calibri"/>
                 <a:sym typeface="Calibri"/>
               </a:rPr>
-              <a:t> Alexander</a:t>
+              <a:t> </a:t>
+            </a:r>
+            <a:r>
+              <a:rPr lang="es-ES" sz="1200" b="1" i="0" u="none" strike="noStrike" cap="none" dirty="0" smtClean="0">
+                <a:solidFill>
+                  <a:srgbClr val="3F3F3F"/>
+                </a:solidFill>
+                <a:latin typeface="Calibri"/>
+                <a:ea typeface="Calibri"/>
+                <a:cs typeface="Calibri"/>
+                <a:sym typeface="Calibri"/>
+              </a:rPr>
+              <a:t>Camilo</a:t>
             </a:r>
             <a:endParaRPr dirty="0"/>
           </a:p>
@@ -8696,6 +8841,18 @@
               </a:rPr>
               <a:t>En el módulo de manejo de caja los vendedores y cajeros podrán crear facturas, consultar clientes y productos. El cajero podrá ingresar los valores de pago de cada factura, esto permitirá tener un mejor control del dinero en caja y también permitirá facilitar la facturación de los productos. Finalmente, en el módulo de informes el administrador y cajero podrán consultar el total de ventas diario y el stock del inventario mediante reportes gráficos e impresos, necesarios para la toma de decisiones del personal administrativo de Artesanía Diluz.</a:t>
             </a:r>
+            <a:r>
+              <a:rPr lang="es-ES" sz="1600">
+                <a:solidFill>
+                  <a:schemeClr val="dk1"/>
+                </a:solidFill>
+                <a:latin typeface="Calibri"/>
+                <a:ea typeface="Calibri"/>
+                <a:cs typeface="Calibri"/>
+                <a:sym typeface="Calibri"/>
+              </a:rPr>
+              <a:t/>
+            </a:r>
             <a:br>
               <a:rPr lang="es-ES" sz="1600">
                 <a:solidFill>
@@ -9325,6 +9482,18 @@
               </a:spcAft>
               <a:buNone/>
             </a:pPr>
+            <a:r>
+              <a:rPr lang="es-ES" sz="1600">
+                <a:solidFill>
+                  <a:schemeClr val="dk1"/>
+                </a:solidFill>
+                <a:latin typeface="Calibri"/>
+                <a:ea typeface="Calibri"/>
+                <a:cs typeface="Calibri"/>
+                <a:sym typeface="Calibri"/>
+              </a:rPr>
+              <a:t/>
+            </a:r>
             <a:br>
               <a:rPr lang="es-ES" sz="1600">
                 <a:solidFill>
@@ -9336,6 +9505,18 @@
                 <a:sym typeface="Calibri"/>
               </a:rPr>
             </a:br>
+            <a:r>
+              <a:rPr lang="es-ES" sz="1600">
+                <a:solidFill>
+                  <a:schemeClr val="dk1"/>
+                </a:solidFill>
+                <a:latin typeface="Calibri"/>
+                <a:ea typeface="Calibri"/>
+                <a:cs typeface="Calibri"/>
+                <a:sym typeface="Calibri"/>
+              </a:rPr>
+              <a:t/>
+            </a:r>
             <a:br>
               <a:rPr lang="es-ES" sz="1600">
                 <a:solidFill>
@@ -9347,6 +9528,18 @@
                 <a:sym typeface="Calibri"/>
               </a:rPr>
             </a:br>
+            <a:r>
+              <a:rPr lang="es-ES" sz="1600">
+                <a:solidFill>
+                  <a:schemeClr val="dk1"/>
+                </a:solidFill>
+                <a:latin typeface="Calibri"/>
+                <a:ea typeface="Calibri"/>
+                <a:cs typeface="Calibri"/>
+                <a:sym typeface="Calibri"/>
+              </a:rPr>
+              <a:t/>
+            </a:r>
             <a:br>
               <a:rPr lang="es-ES" sz="1600">
                 <a:solidFill>
@@ -10932,7 +11125,7 @@
                 <a:hlinkClick r:id="rId3">
                   <a:extLst>
                     <a:ext uri="{A12FA001-AC4F-418D-AE19-62706E023703}">
-                      <ahyp:hlinkClr xmlns:ahyp="http://schemas.microsoft.com/office/drawing/2018/hyperlinkcolor" val="tx"/>
+                      <ahyp:hlinkClr xmlns:ahyp="http://schemas.microsoft.com/office/drawing/2018/hyperlinkcolor" xmlns="" val="tx"/>
                     </a:ext>
                   </a:extLst>
                 </a:hlinkClick>
@@ -10974,7 +11167,7 @@
                 <a:hlinkClick r:id="rId4">
                   <a:extLst>
                     <a:ext uri="{A12FA001-AC4F-418D-AE19-62706E023703}">
-                      <ahyp:hlinkClr xmlns:ahyp="http://schemas.microsoft.com/office/drawing/2018/hyperlinkcolor" val="tx"/>
+                      <ahyp:hlinkClr xmlns:ahyp="http://schemas.microsoft.com/office/drawing/2018/hyperlinkcolor" xmlns="" val="tx"/>
                     </a:ext>
                   </a:extLst>
                 </a:hlinkClick>
@@ -11016,7 +11209,7 @@
                 <a:hlinkClick r:id="rId5">
                   <a:extLst>
                     <a:ext uri="{A12FA001-AC4F-418D-AE19-62706E023703}">
-                      <ahyp:hlinkClr xmlns:ahyp="http://schemas.microsoft.com/office/drawing/2018/hyperlinkcolor" val="tx"/>
+                      <ahyp:hlinkClr xmlns:ahyp="http://schemas.microsoft.com/office/drawing/2018/hyperlinkcolor" xmlns="" val="tx"/>
                     </a:ext>
                   </a:extLst>
                 </a:hlinkClick>
@@ -11058,7 +11251,7 @@
                 <a:hlinkClick r:id="rId6">
                   <a:extLst>
                     <a:ext uri="{A12FA001-AC4F-418D-AE19-62706E023703}">
-                      <ahyp:hlinkClr xmlns:ahyp="http://schemas.microsoft.com/office/drawing/2018/hyperlinkcolor" val="tx"/>
+                      <ahyp:hlinkClr xmlns:ahyp="http://schemas.microsoft.com/office/drawing/2018/hyperlinkcolor" xmlns="" val="tx"/>
                     </a:ext>
                   </a:extLst>
                 </a:hlinkClick>
@@ -12213,6 +12406,467 @@
   <p:cSld>
     <p:spTree>
       <p:nvGrpSpPr>
+        <p:cNvPr id="1" name="Shape 210"/>
+        <p:cNvGrpSpPr/>
+        <p:nvPr/>
+      </p:nvGrpSpPr>
+      <p:grpSpPr>
+        <a:xfrm>
+          <a:off x="0" y="0"/>
+          <a:ext cx="0" cy="0"/>
+          <a:chOff x="0" y="0"/>
+          <a:chExt cx="0" cy="0"/>
+        </a:xfrm>
+      </p:grpSpPr>
+      <p:sp>
+        <p:nvSpPr>
+          <p:cNvPr id="211" name="Google Shape;211;gdae0e5854a_0_30"/>
+          <p:cNvSpPr/>
+          <p:nvPr/>
+        </p:nvSpPr>
+        <p:spPr>
+          <a:xfrm>
+            <a:off x="7560961" y="4302549"/>
+            <a:ext cx="1317000" cy="564600"/>
+          </a:xfrm>
+          <a:prstGeom prst="rect">
+            <a:avLst/>
+          </a:prstGeom>
+          <a:noFill/>
+          <a:ln w="9525" cap="flat" cmpd="sng">
+            <a:solidFill>
+              <a:srgbClr val="3F3F3F"/>
+            </a:solidFill>
+            <a:prstDash val="solid"/>
+            <a:round/>
+            <a:headEnd type="none" w="sm" len="sm"/>
+            <a:tailEnd type="none" w="sm" len="sm"/>
+          </a:ln>
+        </p:spPr>
+        <p:txBody>
+          <a:bodyPr spcFirstLastPara="1" wrap="square" lIns="91425" tIns="45700" rIns="91425" bIns="45700" anchor="ctr" anchorCtr="0">
+            <a:noAutofit/>
+          </a:bodyPr>
+          <a:lstStyle/>
+          <a:p>
+            <a:pPr marL="0" marR="0" lvl="0" indent="0" algn="ctr" rtl="0">
+              <a:spcBef>
+                <a:spcPts val="0"/>
+              </a:spcBef>
+              <a:spcAft>
+                <a:spcPts val="0"/>
+              </a:spcAft>
+              <a:buNone/>
+            </a:pPr>
+            <a:endParaRPr sz="1800">
+              <a:solidFill>
+                <a:schemeClr val="lt1"/>
+              </a:solidFill>
+              <a:latin typeface="Calibri"/>
+              <a:ea typeface="Calibri"/>
+              <a:cs typeface="Calibri"/>
+              <a:sym typeface="Calibri"/>
+            </a:endParaRPr>
+          </a:p>
+        </p:txBody>
+      </p:sp>
+      <p:sp>
+        <p:nvSpPr>
+          <p:cNvPr id="212" name="Google Shape;212;gdae0e5854a_0_30"/>
+          <p:cNvSpPr txBox="1"/>
+          <p:nvPr/>
+        </p:nvSpPr>
+        <p:spPr>
+          <a:xfrm>
+            <a:off x="7560961" y="4440062"/>
+            <a:ext cx="1317000" cy="276900"/>
+          </a:xfrm>
+          <a:prstGeom prst="rect">
+            <a:avLst/>
+          </a:prstGeom>
+          <a:noFill/>
+          <a:ln>
+            <a:noFill/>
+          </a:ln>
+        </p:spPr>
+        <p:txBody>
+          <a:bodyPr spcFirstLastPara="1" wrap="square" lIns="91425" tIns="45700" rIns="91425" bIns="45700" anchor="t" anchorCtr="0">
+            <a:spAutoFit/>
+          </a:bodyPr>
+          <a:lstStyle/>
+          <a:p>
+            <a:pPr marL="0" marR="0" lvl="0" indent="0" algn="ctr" rtl="0">
+              <a:spcBef>
+                <a:spcPts val="0"/>
+              </a:spcBef>
+              <a:spcAft>
+                <a:spcPts val="0"/>
+              </a:spcAft>
+              <a:buNone/>
+            </a:pPr>
+            <a:r>
+              <a:rPr lang="es-ES" sz="1200" b="1">
+                <a:solidFill>
+                  <a:srgbClr val="3F3F3F"/>
+                </a:solidFill>
+                <a:latin typeface="Calibri"/>
+                <a:ea typeface="Calibri"/>
+                <a:cs typeface="Calibri"/>
+                <a:sym typeface="Calibri"/>
+              </a:rPr>
+              <a:t>Marca externa</a:t>
+            </a:r>
+            <a:endParaRPr/>
+          </a:p>
+        </p:txBody>
+      </p:sp>
+      <p:sp>
+        <p:nvSpPr>
+          <p:cNvPr id="213" name="Google Shape;213;gdae0e5854a_0_30"/>
+          <p:cNvSpPr/>
+          <p:nvPr/>
+        </p:nvSpPr>
+        <p:spPr>
+          <a:xfrm>
+            <a:off x="663825" y="1502600"/>
+            <a:ext cx="6897136" cy="2124178"/>
+          </a:xfrm>
+          <a:prstGeom prst="rect">
+            <a:avLst/>
+          </a:prstGeom>
+          <a:noFill/>
+          <a:ln>
+            <a:noFill/>
+          </a:ln>
+        </p:spPr>
+        <p:txBody>
+          <a:bodyPr spcFirstLastPara="1" wrap="square" lIns="91425" tIns="45700" rIns="91425" bIns="45700" anchor="ctr" anchorCtr="1">
+            <a:noAutofit/>
+          </a:bodyPr>
+          <a:lstStyle/>
+          <a:p>
+            <a:pPr marL="0" marR="0" lvl="0" indent="0" algn="ctr" rtl="0">
+              <a:lnSpc>
+                <a:spcPct val="120000"/>
+              </a:lnSpc>
+              <a:spcBef>
+                <a:spcPts val="0"/>
+              </a:spcBef>
+              <a:spcAft>
+                <a:spcPts val="0"/>
+              </a:spcAft>
+              <a:buNone/>
+            </a:pPr>
+            <a:r>
+              <a:rPr lang="es-419" sz="1800" b="1" dirty="0" smtClean="0">
+                <a:solidFill>
+                  <a:srgbClr val="3F3F3F"/>
+                </a:solidFill>
+                <a:latin typeface="Calibri"/>
+                <a:ea typeface="Calibri"/>
+                <a:cs typeface="Calibri"/>
+                <a:sym typeface="Calibri"/>
+              </a:rPr>
+              <a:t>Informe de migración de datos, plan de instalación y respaldo.</a:t>
+            </a:r>
+          </a:p>
+          <a:p>
+            <a:pPr marL="0" marR="0" lvl="0" indent="0" algn="ctr" rtl="0">
+              <a:lnSpc>
+                <a:spcPct val="120000"/>
+              </a:lnSpc>
+              <a:spcBef>
+                <a:spcPts val="0"/>
+              </a:spcBef>
+              <a:spcAft>
+                <a:spcPts val="0"/>
+              </a:spcAft>
+              <a:buNone/>
+            </a:pPr>
+            <a:r>
+              <a:rPr lang="es-419" sz="1800" b="1" dirty="0" smtClean="0">
+                <a:solidFill>
+                  <a:srgbClr val="3F3F3F"/>
+                </a:solidFill>
+                <a:latin typeface="Calibri"/>
+                <a:ea typeface="Calibri"/>
+                <a:cs typeface="Calibri"/>
+                <a:sym typeface="Calibri"/>
+              </a:rPr>
+              <a:t>Manual de usuario y operación</a:t>
+            </a:r>
+          </a:p>
+          <a:p>
+            <a:pPr marL="0" marR="0" lvl="0" indent="0" algn="ctr" rtl="0">
+              <a:lnSpc>
+                <a:spcPct val="120000"/>
+              </a:lnSpc>
+              <a:spcBef>
+                <a:spcPts val="0"/>
+              </a:spcBef>
+              <a:spcAft>
+                <a:spcPts val="0"/>
+              </a:spcAft>
+              <a:buNone/>
+            </a:pPr>
+            <a:r>
+              <a:rPr lang="es-419" sz="1800" b="1" dirty="0" smtClean="0">
+                <a:solidFill>
+                  <a:srgbClr val="3F3F3F"/>
+                </a:solidFill>
+                <a:latin typeface="Calibri"/>
+                <a:ea typeface="Calibri"/>
+                <a:cs typeface="Calibri"/>
+                <a:sym typeface="Calibri"/>
+              </a:rPr>
+              <a:t>Documentación de las pruebas</a:t>
+            </a:r>
+            <a:endParaRPr lang="es-419" sz="1800" b="1" dirty="0">
+              <a:solidFill>
+                <a:srgbClr val="3F3F3F"/>
+              </a:solidFill>
+              <a:latin typeface="Calibri"/>
+              <a:ea typeface="Calibri"/>
+              <a:cs typeface="Calibri"/>
+              <a:sym typeface="Calibri"/>
+            </a:endParaRPr>
+          </a:p>
+        </p:txBody>
+      </p:sp>
+      <p:sp>
+        <p:nvSpPr>
+          <p:cNvPr id="214" name="Google Shape;214;gdae0e5854a_0_30"/>
+          <p:cNvSpPr txBox="1"/>
+          <p:nvPr/>
+        </p:nvSpPr>
+        <p:spPr>
+          <a:xfrm>
+            <a:off x="509451" y="555025"/>
+            <a:ext cx="5179500" cy="369300"/>
+          </a:xfrm>
+          <a:prstGeom prst="rect">
+            <a:avLst/>
+          </a:prstGeom>
+          <a:noFill/>
+          <a:ln>
+            <a:noFill/>
+          </a:ln>
+        </p:spPr>
+        <p:txBody>
+          <a:bodyPr spcFirstLastPara="1" wrap="square" lIns="91425" tIns="45700" rIns="91425" bIns="45700" anchor="t" anchorCtr="0">
+            <a:spAutoFit/>
+          </a:bodyPr>
+          <a:lstStyle/>
+          <a:p>
+            <a:pPr marL="0" marR="0" lvl="0" indent="0" algn="l" rtl="0">
+              <a:spcBef>
+                <a:spcPts val="0"/>
+              </a:spcBef>
+              <a:spcAft>
+                <a:spcPts val="0"/>
+              </a:spcAft>
+              <a:buNone/>
+            </a:pPr>
+            <a:r>
+              <a:rPr lang="es-ES" sz="1800" b="1" dirty="0">
+                <a:solidFill>
+                  <a:srgbClr val="3F3F3F"/>
+                </a:solidFill>
+                <a:latin typeface="Calibri"/>
+                <a:ea typeface="Calibri"/>
+                <a:cs typeface="Calibri"/>
+                <a:sym typeface="Calibri"/>
+              </a:rPr>
+              <a:t>Entregables Proyecto Formativo </a:t>
+            </a:r>
+            <a:r>
+              <a:rPr lang="es-ES" sz="1800" b="1" dirty="0" smtClean="0">
+                <a:solidFill>
+                  <a:srgbClr val="3F3F3F"/>
+                </a:solidFill>
+                <a:latin typeface="Calibri"/>
+                <a:ea typeface="Calibri"/>
+                <a:cs typeface="Calibri"/>
+                <a:sym typeface="Calibri"/>
+              </a:rPr>
+              <a:t>Quinto</a:t>
+            </a:r>
+            <a:r>
+              <a:rPr lang="es-ES" sz="1800" b="1" dirty="0" smtClean="0">
+                <a:solidFill>
+                  <a:srgbClr val="3F3F3F"/>
+                </a:solidFill>
+                <a:latin typeface="Calibri"/>
+                <a:ea typeface="Calibri"/>
+                <a:cs typeface="Calibri"/>
+                <a:sym typeface="Calibri"/>
+              </a:rPr>
+              <a:t> </a:t>
+            </a:r>
+            <a:r>
+              <a:rPr lang="es-ES" sz="1800" b="1" dirty="0">
+                <a:solidFill>
+                  <a:srgbClr val="3F3F3F"/>
+                </a:solidFill>
+                <a:latin typeface="Calibri"/>
+                <a:ea typeface="Calibri"/>
+                <a:cs typeface="Calibri"/>
+                <a:sym typeface="Calibri"/>
+              </a:rPr>
+              <a:t>Trimestre</a:t>
+            </a:r>
+            <a:endParaRPr dirty="0"/>
+          </a:p>
+        </p:txBody>
+      </p:sp>
+      <p:sp>
+        <p:nvSpPr>
+          <p:cNvPr id="215" name="Google Shape;215;gdae0e5854a_0_30"/>
+          <p:cNvSpPr/>
+          <p:nvPr/>
+        </p:nvSpPr>
+        <p:spPr>
+          <a:xfrm>
+            <a:off x="607405" y="957918"/>
+            <a:ext cx="718500" cy="45600"/>
+          </a:xfrm>
+          <a:prstGeom prst="rect">
+            <a:avLst/>
+          </a:prstGeom>
+          <a:solidFill>
+            <a:srgbClr val="FF6600"/>
+          </a:solidFill>
+          <a:ln>
+            <a:noFill/>
+          </a:ln>
+        </p:spPr>
+        <p:txBody>
+          <a:bodyPr spcFirstLastPara="1" wrap="square" lIns="91425" tIns="45700" rIns="91425" bIns="45700" anchor="ctr" anchorCtr="0">
+            <a:noAutofit/>
+          </a:bodyPr>
+          <a:lstStyle/>
+          <a:p>
+            <a:pPr marL="0" marR="0" lvl="0" indent="0" algn="ctr" rtl="0">
+              <a:spcBef>
+                <a:spcPts val="0"/>
+              </a:spcBef>
+              <a:spcAft>
+                <a:spcPts val="0"/>
+              </a:spcAft>
+              <a:buNone/>
+            </a:pPr>
+            <a:endParaRPr sz="1800">
+              <a:solidFill>
+                <a:schemeClr val="lt1"/>
+              </a:solidFill>
+              <a:latin typeface="Calibri"/>
+              <a:ea typeface="Calibri"/>
+              <a:cs typeface="Calibri"/>
+              <a:sym typeface="Calibri"/>
+            </a:endParaRPr>
+          </a:p>
+        </p:txBody>
+      </p:sp>
+      <p:sp>
+        <p:nvSpPr>
+          <p:cNvPr id="216" name="Google Shape;216;gdae0e5854a_0_30">
+            <a:hlinkClick r:id="rId3" action="ppaction://hlinksldjump"/>
+          </p:cNvPr>
+          <p:cNvSpPr/>
+          <p:nvPr/>
+        </p:nvSpPr>
+        <p:spPr>
+          <a:xfrm>
+            <a:off x="8212822" y="192947"/>
+            <a:ext cx="746700" cy="679500"/>
+          </a:xfrm>
+          <a:prstGeom prst="rect">
+            <a:avLst/>
+          </a:prstGeom>
+          <a:noFill/>
+          <a:ln>
+            <a:noFill/>
+          </a:ln>
+          <a:effectLst>
+            <a:outerShdw blurRad="40000" dist="23000" dir="5400000" rotWithShape="0">
+              <a:srgbClr val="000000">
+                <a:alpha val="34900"/>
+              </a:srgbClr>
+            </a:outerShdw>
+          </a:effectLst>
+        </p:spPr>
+        <p:txBody>
+          <a:bodyPr spcFirstLastPara="1" wrap="square" lIns="91425" tIns="45700" rIns="91425" bIns="45700" anchor="ctr" anchorCtr="0">
+            <a:noAutofit/>
+          </a:bodyPr>
+          <a:lstStyle/>
+          <a:p>
+            <a:pPr marL="0" marR="0" lvl="0" indent="0" algn="ctr" rtl="0">
+              <a:spcBef>
+                <a:spcPts val="0"/>
+              </a:spcBef>
+              <a:spcAft>
+                <a:spcPts val="0"/>
+              </a:spcAft>
+              <a:buNone/>
+            </a:pPr>
+            <a:endParaRPr sz="1800">
+              <a:solidFill>
+                <a:schemeClr val="lt1"/>
+              </a:solidFill>
+              <a:latin typeface="Calibri"/>
+              <a:ea typeface="Calibri"/>
+              <a:cs typeface="Calibri"/>
+              <a:sym typeface="Calibri"/>
+            </a:endParaRPr>
+          </a:p>
+        </p:txBody>
+      </p:sp>
+      <p:pic>
+        <p:nvPicPr>
+          <p:cNvPr id="217" name="Google Shape;217;gdae0e5854a_0_30" descr="https://lh6.googleusercontent.com/x65Hn9DJax4u9nQSPuRoat5jkQZrvsTdbVFCAZFZd6OshynWDE0DPYqxguIdDcnYWYxzLBfSASfX9eKAUwoagwHElpXEqdcZWw_XCh_PPQuDYUYG0hLigu05XLoZwRT_n71t70I"/>
+          <p:cNvPicPr preferRelativeResize="0"/>
+          <p:nvPr/>
+        </p:nvPicPr>
+        <p:blipFill rotWithShape="1">
+          <a:blip r:embed="rId4">
+            <a:alphaModFix/>
+          </a:blip>
+          <a:srcRect l="4345" t="7106" r="3190"/>
+          <a:stretch/>
+        </p:blipFill>
+        <p:spPr>
+          <a:xfrm>
+            <a:off x="7466793" y="4216855"/>
+            <a:ext cx="1505329" cy="835277"/>
+          </a:xfrm>
+          <a:prstGeom prst="rect">
+            <a:avLst/>
+          </a:prstGeom>
+          <a:noFill/>
+          <a:ln>
+            <a:noFill/>
+          </a:ln>
+        </p:spPr>
+      </p:pic>
+    </p:spTree>
+    <p:extLst>
+      <p:ext uri="{BB962C8B-B14F-4D97-AF65-F5344CB8AC3E}">
+        <p14:creationId xmlns:p14="http://schemas.microsoft.com/office/powerpoint/2010/main" val="2850494863"/>
+      </p:ext>
+    </p:extLst>
+  </p:cSld>
+  <p:clrMapOvr>
+    <a:masterClrMapping/>
+  </p:clrMapOvr>
+</p:sld>
+</file>
+
+<file path=ppt/slides/slide19.xml><?xml version="1.0" encoding="utf-8"?>
+<p:sld xmlns:a="http://schemas.openxmlformats.org/drawingml/2006/main" xmlns:r="http://schemas.openxmlformats.org/officeDocument/2006/relationships" xmlns:p="http://schemas.openxmlformats.org/presentationml/2006/main">
+  <p:cSld>
+    <p:spTree>
+      <p:nvGrpSpPr>
         <p:cNvPr id="1" name="Shape 221"/>
         <p:cNvGrpSpPr/>
         <p:nvPr/>
@@ -12730,7 +13384,7 @@
                 <a:hlinkClick r:id="rId3" action="ppaction://hlinksldjump">
                   <a:extLst>
                     <a:ext uri="{A12FA001-AC4F-418D-AE19-62706E023703}">
-                      <ahyp:hlinkClr xmlns:ahyp="http://schemas.microsoft.com/office/drawing/2018/hyperlinkcolor" val="tx"/>
+                      <ahyp:hlinkClr xmlns:ahyp="http://schemas.microsoft.com/office/drawing/2018/hyperlinkcolor" xmlns="" val="tx"/>
                     </a:ext>
                   </a:extLst>
                 </a:hlinkClick>
@@ -12769,7 +13423,7 @@
                 <a:hlinkClick r:id="rId4" action="ppaction://hlinksldjump">
                   <a:extLst>
                     <a:ext uri="{A12FA001-AC4F-418D-AE19-62706E023703}">
-                      <ahyp:hlinkClr xmlns:ahyp="http://schemas.microsoft.com/office/drawing/2018/hyperlinkcolor" val="tx"/>
+                      <ahyp:hlinkClr xmlns:ahyp="http://schemas.microsoft.com/office/drawing/2018/hyperlinkcolor" xmlns="" val="tx"/>
                     </a:ext>
                   </a:extLst>
                 </a:hlinkClick>
@@ -12808,7 +13462,7 @@
                 <a:hlinkClick r:id="rId5" action="ppaction://hlinksldjump">
                   <a:extLst>
                     <a:ext uri="{A12FA001-AC4F-418D-AE19-62706E023703}">
-                      <ahyp:hlinkClr xmlns:ahyp="http://schemas.microsoft.com/office/drawing/2018/hyperlinkcolor" val="tx"/>
+                      <ahyp:hlinkClr xmlns:ahyp="http://schemas.microsoft.com/office/drawing/2018/hyperlinkcolor" xmlns="" val="tx"/>
                     </a:ext>
                   </a:extLst>
                 </a:hlinkClick>
@@ -12847,7 +13501,7 @@
                 <a:hlinkClick r:id="rId6" action="ppaction://hlinksldjump">
                   <a:extLst>
                     <a:ext uri="{A12FA001-AC4F-418D-AE19-62706E023703}">
-                      <ahyp:hlinkClr xmlns:ahyp="http://schemas.microsoft.com/office/drawing/2018/hyperlinkcolor" val="tx"/>
+                      <ahyp:hlinkClr xmlns:ahyp="http://schemas.microsoft.com/office/drawing/2018/hyperlinkcolor" xmlns="" val="tx"/>
                     </a:ext>
                   </a:extLst>
                 </a:hlinkClick>
@@ -12886,7 +13540,7 @@
                 <a:hlinkClick r:id="" action="ppaction://noaction">
                   <a:extLst>
                     <a:ext uri="{A12FA001-AC4F-418D-AE19-62706E023703}">
-                      <ahyp:hlinkClr xmlns:ahyp="http://schemas.microsoft.com/office/drawing/2018/hyperlinkcolor" val="tx"/>
+                      <ahyp:hlinkClr xmlns:ahyp="http://schemas.microsoft.com/office/drawing/2018/hyperlinkcolor" xmlns="" val="tx"/>
                     </a:ext>
                   </a:extLst>
                 </a:hlinkClick>

--- a/proy_formativo/documentacion/1er_Trim/1_Presentación_Sustentacion.pptx
+++ b/proy_formativo/documentacion/1er_Trim/1_Presentación_Sustentacion.pptx
@@ -275,7 +275,7 @@
       </p15:sldGuideLst>
     </p:ext>
     <p:ext uri="http://customooxmlschemas.google.com/">
-      <go:slidesCustomData xmlns="" xmlns:mc="http://schemas.openxmlformats.org/markup-compatibility/2006" xmlns:mv="urn:schemas-microsoft-com:mac:vml" xmlns:c="http://schemas.openxmlformats.org/drawingml/2006/chart" xmlns:dgm="http://schemas.openxmlformats.org/drawingml/2006/diagram" xmlns:o="urn:schemas-microsoft-com:office:office" xmlns:v="urn:schemas-microsoft-com:vml" xmlns:pvml="urn:schemas-microsoft-com:office:powerpoint" xmlns:com="http://schemas.openxmlformats.org/drawingml/2006/compatibility" xmlns:p14="http://schemas.microsoft.com/office/powerpoint/2010/main" xmlns:p15="http://schemas.microsoft.com/office/powerpoint/2012/main" xmlns:ahyp="http://schemas.microsoft.com/office/drawing/2018/hyperlinkcolor" xmlns:go="http://customooxmlschemas.google.com/" r:id="rId23" roundtripDataSignature="AMtx7miNLNB0yB+HlUh+J0GH892/7zOKIw=="/>
+      <go:slidesCustomData xmlns:go="http://customooxmlschemas.google.com/" xmlns:ahyp="http://schemas.microsoft.com/office/drawing/2018/hyperlinkcolor" xmlns:p15="http://schemas.microsoft.com/office/powerpoint/2012/main" xmlns:p14="http://schemas.microsoft.com/office/powerpoint/2010/main" xmlns:com="http://schemas.openxmlformats.org/drawingml/2006/compatibility" xmlns:pvml="urn:schemas-microsoft-com:office:powerpoint" xmlns:v="urn:schemas-microsoft-com:vml" xmlns:o="urn:schemas-microsoft-com:office:office" xmlns:dgm="http://schemas.openxmlformats.org/drawingml/2006/diagram" xmlns:c="http://schemas.openxmlformats.org/drawingml/2006/chart" xmlns:mv="urn:schemas-microsoft-com:mac:vml" xmlns:mc="http://schemas.openxmlformats.org/markup-compatibility/2006" xmlns="" r:id="rId23" roundtripDataSignature="AMtx7miNLNB0yB+HlUh+J0GH892/7zOKIw=="/>
     </p:ext>
   </p:extLst>
 </p:presentation>
@@ -11125,7 +11125,7 @@
                 <a:hlinkClick r:id="rId3">
                   <a:extLst>
                     <a:ext uri="{A12FA001-AC4F-418D-AE19-62706E023703}">
-                      <ahyp:hlinkClr xmlns:ahyp="http://schemas.microsoft.com/office/drawing/2018/hyperlinkcolor" xmlns="" val="tx"/>
+                      <ahyp:hlinkClr xmlns="" xmlns:ahyp="http://schemas.microsoft.com/office/drawing/2018/hyperlinkcolor" val="tx"/>
                     </a:ext>
                   </a:extLst>
                 </a:hlinkClick>
@@ -11167,7 +11167,7 @@
                 <a:hlinkClick r:id="rId4">
                   <a:extLst>
                     <a:ext uri="{A12FA001-AC4F-418D-AE19-62706E023703}">
-                      <ahyp:hlinkClr xmlns:ahyp="http://schemas.microsoft.com/office/drawing/2018/hyperlinkcolor" xmlns="" val="tx"/>
+                      <ahyp:hlinkClr xmlns="" xmlns:ahyp="http://schemas.microsoft.com/office/drawing/2018/hyperlinkcolor" val="tx"/>
                     </a:ext>
                   </a:extLst>
                 </a:hlinkClick>
@@ -11209,7 +11209,7 @@
                 <a:hlinkClick r:id="rId5">
                   <a:extLst>
                     <a:ext uri="{A12FA001-AC4F-418D-AE19-62706E023703}">
-                      <ahyp:hlinkClr xmlns:ahyp="http://schemas.microsoft.com/office/drawing/2018/hyperlinkcolor" xmlns="" val="tx"/>
+                      <ahyp:hlinkClr xmlns="" xmlns:ahyp="http://schemas.microsoft.com/office/drawing/2018/hyperlinkcolor" val="tx"/>
                     </a:ext>
                   </a:extLst>
                 </a:hlinkClick>
@@ -11251,7 +11251,7 @@
                 <a:hlinkClick r:id="rId6">
                   <a:extLst>
                     <a:ext uri="{A12FA001-AC4F-418D-AE19-62706E023703}">
-                      <ahyp:hlinkClr xmlns:ahyp="http://schemas.microsoft.com/office/drawing/2018/hyperlinkcolor" xmlns="" val="tx"/>
+                      <ahyp:hlinkClr xmlns="" xmlns:ahyp="http://schemas.microsoft.com/office/drawing/2018/hyperlinkcolor" val="tx"/>
                     </a:ext>
                   </a:extLst>
                 </a:hlinkClick>
@@ -12243,7 +12243,7 @@
               <a:buNone/>
             </a:pPr>
             <a:r>
-              <a:rPr lang="es-ES" sz="1800" b="1">
+              <a:rPr lang="es-ES" sz="1800" b="1" dirty="0">
                 <a:solidFill>
                   <a:srgbClr val="3F3F3F"/>
                 </a:solidFill>
@@ -12252,9 +12252,33 @@
                 <a:cs typeface="Calibri"/>
                 <a:sym typeface="Calibri"/>
               </a:rPr>
-              <a:t>Entregables Proyecto Formativo Cuarto Trimestre</a:t>
+              <a:t>Entregables Proyecto Formativo </a:t>
             </a:r>
-            <a:endParaRPr/>
+            <a:r>
+              <a:rPr lang="es-ES" sz="1800" b="1" dirty="0" smtClean="0">
+                <a:solidFill>
+                  <a:srgbClr val="3F3F3F"/>
+                </a:solidFill>
+                <a:latin typeface="Calibri"/>
+                <a:ea typeface="Calibri"/>
+                <a:cs typeface="Calibri"/>
+                <a:sym typeface="Calibri"/>
+              </a:rPr>
+              <a:t>Quinto </a:t>
+            </a:r>
+            <a:r>
+              <a:rPr lang="es-ES" sz="1800" b="1" dirty="0">
+                <a:solidFill>
+                  <a:srgbClr val="3F3F3F"/>
+                </a:solidFill>
+                <a:latin typeface="Calibri"/>
+                <a:ea typeface="Calibri"/>
+                <a:cs typeface="Calibri"/>
+                <a:sym typeface="Calibri"/>
+              </a:rPr>
+              <a:t>Trimestre</a:t>
+            </a:r>
+            <a:endParaRPr dirty="0"/>
           </a:p>
         </p:txBody>
       </p:sp>
@@ -12677,10 +12701,10 @@
                 <a:cs typeface="Calibri"/>
                 <a:sym typeface="Calibri"/>
               </a:rPr>
-              <a:t>Entregables Proyecto Formativo </a:t>
+              <a:t>Entregables Proyecto </a:t>
             </a:r>
             <a:r>
-              <a:rPr lang="es-ES" sz="1800" b="1" dirty="0" smtClean="0">
+              <a:rPr lang="es-ES" sz="1800" b="1">
                 <a:solidFill>
                   <a:srgbClr val="3F3F3F"/>
                 </a:solidFill>
@@ -12689,10 +12713,22 @@
                 <a:cs typeface="Calibri"/>
                 <a:sym typeface="Calibri"/>
               </a:rPr>
-              <a:t>Quinto</a:t>
+              <a:t>Formativo </a:t>
             </a:r>
             <a:r>
-              <a:rPr lang="es-ES" sz="1800" b="1" dirty="0" smtClean="0">
+              <a:rPr lang="es-ES" sz="1800" b="1" smtClean="0">
+                <a:solidFill>
+                  <a:srgbClr val="3F3F3F"/>
+                </a:solidFill>
+                <a:latin typeface="Calibri"/>
+                <a:ea typeface="Calibri"/>
+                <a:cs typeface="Calibri"/>
+                <a:sym typeface="Calibri"/>
+              </a:rPr>
+              <a:t>Sexto</a:t>
+            </a:r>
+            <a:r>
+              <a:rPr lang="es-ES" sz="1800" b="1" smtClean="0">
                 <a:solidFill>
                   <a:srgbClr val="3F3F3F"/>
                 </a:solidFill>
@@ -13384,7 +13420,7 @@
                 <a:hlinkClick r:id="rId3" action="ppaction://hlinksldjump">
                   <a:extLst>
                     <a:ext uri="{A12FA001-AC4F-418D-AE19-62706E023703}">
-                      <ahyp:hlinkClr xmlns:ahyp="http://schemas.microsoft.com/office/drawing/2018/hyperlinkcolor" xmlns="" val="tx"/>
+                      <ahyp:hlinkClr xmlns="" xmlns:ahyp="http://schemas.microsoft.com/office/drawing/2018/hyperlinkcolor" val="tx"/>
                     </a:ext>
                   </a:extLst>
                 </a:hlinkClick>
@@ -13423,7 +13459,7 @@
                 <a:hlinkClick r:id="rId4" action="ppaction://hlinksldjump">
                   <a:extLst>
                     <a:ext uri="{A12FA001-AC4F-418D-AE19-62706E023703}">
-                      <ahyp:hlinkClr xmlns:ahyp="http://schemas.microsoft.com/office/drawing/2018/hyperlinkcolor" xmlns="" val="tx"/>
+                      <ahyp:hlinkClr xmlns="" xmlns:ahyp="http://schemas.microsoft.com/office/drawing/2018/hyperlinkcolor" val="tx"/>
                     </a:ext>
                   </a:extLst>
                 </a:hlinkClick>
@@ -13462,7 +13498,7 @@
                 <a:hlinkClick r:id="rId5" action="ppaction://hlinksldjump">
                   <a:extLst>
                     <a:ext uri="{A12FA001-AC4F-418D-AE19-62706E023703}">
-                      <ahyp:hlinkClr xmlns:ahyp="http://schemas.microsoft.com/office/drawing/2018/hyperlinkcolor" xmlns="" val="tx"/>
+                      <ahyp:hlinkClr xmlns="" xmlns:ahyp="http://schemas.microsoft.com/office/drawing/2018/hyperlinkcolor" val="tx"/>
                     </a:ext>
                   </a:extLst>
                 </a:hlinkClick>
@@ -13501,7 +13537,7 @@
                 <a:hlinkClick r:id="rId6" action="ppaction://hlinksldjump">
                   <a:extLst>
                     <a:ext uri="{A12FA001-AC4F-418D-AE19-62706E023703}">
-                      <ahyp:hlinkClr xmlns:ahyp="http://schemas.microsoft.com/office/drawing/2018/hyperlinkcolor" xmlns="" val="tx"/>
+                      <ahyp:hlinkClr xmlns="" xmlns:ahyp="http://schemas.microsoft.com/office/drawing/2018/hyperlinkcolor" val="tx"/>
                     </a:ext>
                   </a:extLst>
                 </a:hlinkClick>
@@ -13540,7 +13576,7 @@
                 <a:hlinkClick r:id="" action="ppaction://noaction">
                   <a:extLst>
                     <a:ext uri="{A12FA001-AC4F-418D-AE19-62706E023703}">
-                      <ahyp:hlinkClr xmlns:ahyp="http://schemas.microsoft.com/office/drawing/2018/hyperlinkcolor" xmlns="" val="tx"/>
+                      <ahyp:hlinkClr xmlns="" xmlns:ahyp="http://schemas.microsoft.com/office/drawing/2018/hyperlinkcolor" val="tx"/>
                     </a:ext>
                   </a:extLst>
                 </a:hlinkClick>
